--- a/Seq2Seq.pptx
+++ b/Seq2Seq.pptx
@@ -24,10 +24,18 @@
     <p:sldId id="283" r:id="rId18"/>
     <p:sldId id="284" r:id="rId19"/>
     <p:sldId id="267" r:id="rId20"/>
-    <p:sldId id="274" r:id="rId21"/>
-    <p:sldId id="271" r:id="rId22"/>
-    <p:sldId id="276" r:id="rId23"/>
-    <p:sldId id="285" r:id="rId24"/>
+    <p:sldId id="291" r:id="rId21"/>
+    <p:sldId id="286" r:id="rId22"/>
+    <p:sldId id="269" r:id="rId23"/>
+    <p:sldId id="287" r:id="rId24"/>
+    <p:sldId id="288" r:id="rId25"/>
+    <p:sldId id="289" r:id="rId26"/>
+    <p:sldId id="290" r:id="rId27"/>
+    <p:sldId id="274" r:id="rId28"/>
+    <p:sldId id="292" r:id="rId29"/>
+    <p:sldId id="271" r:id="rId30"/>
+    <p:sldId id="276" r:id="rId31"/>
+    <p:sldId id="285" r:id="rId32"/>
   </p:sldIdLst>
   <p:sldSz cx="12192000" cy="6858000"/>
   <p:notesSz cx="6858000" cy="9144000"/>
@@ -137,7 +145,7 @@
 <file path=ppt/revisionInfo.xml><?xml version="1.0" encoding="utf-8"?>
 <p1510:revInfo xmlns:a="http://schemas.openxmlformats.org/drawingml/2006/main" xmlns:r="http://schemas.openxmlformats.org/officeDocument/2006/relationships" xmlns:p1510="http://schemas.microsoft.com/office/powerpoint/2015/10/main">
   <p1510:revLst>
-    <p1510:client id="{0FF74C76-C950-483F-9296-D45A2129EF01}" v="107" dt="2024-09-17T06:47:14.990"/>
+    <p1510:client id="{0FF74C76-C950-483F-9296-D45A2129EF01}" v="117" dt="2024-09-18T06:16:04.482"/>
   </p1510:revLst>
 </p1510:revInfo>
 </file>
@@ -147,7 +155,7 @@
   <pc:docChgLst>
     <pc:chgData name="Greg V Placencia" userId="b6b79b4f-f3e6-4254-80b1-b756d9b40991" providerId="ADAL" clId="{0FF74C76-C950-483F-9296-D45A2129EF01}"/>
     <pc:docChg chg="undo redo custSel addSld delSld modSld sldOrd">
-      <pc:chgData name="Greg V Placencia" userId="b6b79b4f-f3e6-4254-80b1-b756d9b40991" providerId="ADAL" clId="{0FF74C76-C950-483F-9296-D45A2129EF01}" dt="2024-09-17T06:47:35.914" v="5810" actId="20577"/>
+      <pc:chgData name="Greg V Placencia" userId="b6b79b4f-f3e6-4254-80b1-b756d9b40991" providerId="ADAL" clId="{0FF74C76-C950-483F-9296-D45A2129EF01}" dt="2024-09-18T06:24:59.246" v="6906" actId="20577"/>
       <pc:docMkLst>
         <pc:docMk/>
       </pc:docMkLst>
@@ -284,14 +292,14 @@
           </ac:picMkLst>
         </pc:picChg>
       </pc:sldChg>
-      <pc:sldChg chg="modSp new mod">
-        <pc:chgData name="Greg V Placencia" userId="b6b79b4f-f3e6-4254-80b1-b756d9b40991" providerId="ADAL" clId="{0FF74C76-C950-483F-9296-D45A2129EF01}" dt="2024-09-17T04:26:49.139" v="4214" actId="20577"/>
+      <pc:sldChg chg="addSp modSp new mod">
+        <pc:chgData name="Greg V Placencia" userId="b6b79b4f-f3e6-4254-80b1-b756d9b40991" providerId="ADAL" clId="{0FF74C76-C950-483F-9296-D45A2129EF01}" dt="2024-09-18T05:48:24.573" v="6238" actId="20577"/>
         <pc:sldMkLst>
           <pc:docMk/>
           <pc:sldMk cId="3422350959" sldId="259"/>
         </pc:sldMkLst>
         <pc:spChg chg="mod">
-          <ac:chgData name="Greg V Placencia" userId="b6b79b4f-f3e6-4254-80b1-b756d9b40991" providerId="ADAL" clId="{0FF74C76-C950-483F-9296-D45A2129EF01}" dt="2024-09-17T04:26:49.139" v="4214" actId="20577"/>
+          <ac:chgData name="Greg V Placencia" userId="b6b79b4f-f3e6-4254-80b1-b756d9b40991" providerId="ADAL" clId="{0FF74C76-C950-483F-9296-D45A2129EF01}" dt="2024-09-18T05:18:57.325" v="5833" actId="20577"/>
           <ac:spMkLst>
             <pc:docMk/>
             <pc:sldMk cId="3422350959" sldId="259"/>
@@ -299,22 +307,30 @@
           </ac:spMkLst>
         </pc:spChg>
         <pc:spChg chg="mod">
-          <ac:chgData name="Greg V Placencia" userId="b6b79b4f-f3e6-4254-80b1-b756d9b40991" providerId="ADAL" clId="{0FF74C76-C950-483F-9296-D45A2129EF01}" dt="2024-09-17T04:26:36.170" v="4203" actId="20577"/>
+          <ac:chgData name="Greg V Placencia" userId="b6b79b4f-f3e6-4254-80b1-b756d9b40991" providerId="ADAL" clId="{0FF74C76-C950-483F-9296-D45A2129EF01}" dt="2024-09-18T05:48:24.573" v="6238" actId="20577"/>
           <ac:spMkLst>
             <pc:docMk/>
             <pc:sldMk cId="3422350959" sldId="259"/>
             <ac:spMk id="3" creationId="{ADE9ADBC-1ED0-F142-0290-95A991C4B909}"/>
           </ac:spMkLst>
         </pc:spChg>
+        <pc:picChg chg="add mod">
+          <ac:chgData name="Greg V Placencia" userId="b6b79b4f-f3e6-4254-80b1-b756d9b40991" providerId="ADAL" clId="{0FF74C76-C950-483F-9296-D45A2129EF01}" dt="2024-09-18T05:19:40.095" v="5842"/>
+          <ac:picMkLst>
+            <pc:docMk/>
+            <pc:sldMk cId="3422350959" sldId="259"/>
+            <ac:picMk id="4" creationId="{024E6FC2-AB1C-1A3F-9823-11762EBE651E}"/>
+          </ac:picMkLst>
+        </pc:picChg>
       </pc:sldChg>
       <pc:sldChg chg="modSp add mod">
-        <pc:chgData name="Greg V Placencia" userId="b6b79b4f-f3e6-4254-80b1-b756d9b40991" providerId="ADAL" clId="{0FF74C76-C950-483F-9296-D45A2129EF01}" dt="2024-09-17T05:52:21.026" v="5381" actId="20577"/>
+        <pc:chgData name="Greg V Placencia" userId="b6b79b4f-f3e6-4254-80b1-b756d9b40991" providerId="ADAL" clId="{0FF74C76-C950-483F-9296-D45A2129EF01}" dt="2024-09-18T06:06:38.884" v="6535" actId="20577"/>
         <pc:sldMkLst>
           <pc:docMk/>
           <pc:sldMk cId="1402579273" sldId="260"/>
         </pc:sldMkLst>
         <pc:spChg chg="mod">
-          <ac:chgData name="Greg V Placencia" userId="b6b79b4f-f3e6-4254-80b1-b756d9b40991" providerId="ADAL" clId="{0FF74C76-C950-483F-9296-D45A2129EF01}" dt="2024-09-17T04:26:56.491" v="4219" actId="20577"/>
+          <ac:chgData name="Greg V Placencia" userId="b6b79b4f-f3e6-4254-80b1-b756d9b40991" providerId="ADAL" clId="{0FF74C76-C950-483F-9296-D45A2129EF01}" dt="2024-09-18T05:19:02.271" v="5838" actId="20577"/>
           <ac:spMkLst>
             <pc:docMk/>
             <pc:sldMk cId="1402579273" sldId="260"/>
@@ -322,7 +338,7 @@
           </ac:spMkLst>
         </pc:spChg>
         <pc:spChg chg="mod">
-          <ac:chgData name="Greg V Placencia" userId="b6b79b4f-f3e6-4254-80b1-b756d9b40991" providerId="ADAL" clId="{0FF74C76-C950-483F-9296-D45A2129EF01}" dt="2024-09-17T05:52:21.026" v="5381" actId="20577"/>
+          <ac:chgData name="Greg V Placencia" userId="b6b79b4f-f3e6-4254-80b1-b756d9b40991" providerId="ADAL" clId="{0FF74C76-C950-483F-9296-D45A2129EF01}" dt="2024-09-18T06:06:38.884" v="6535" actId="20577"/>
           <ac:spMkLst>
             <pc:docMk/>
             <pc:sldMk cId="1402579273" sldId="260"/>
@@ -331,7 +347,7 @@
         </pc:spChg>
       </pc:sldChg>
       <pc:sldChg chg="modSp add mod ord">
-        <pc:chgData name="Greg V Placencia" userId="b6b79b4f-f3e6-4254-80b1-b756d9b40991" providerId="ADAL" clId="{0FF74C76-C950-483F-9296-D45A2129EF01}" dt="2024-09-17T05:57:24.970" v="5438" actId="20577"/>
+        <pc:chgData name="Greg V Placencia" userId="b6b79b4f-f3e6-4254-80b1-b756d9b40991" providerId="ADAL" clId="{0FF74C76-C950-483F-9296-D45A2129EF01}" dt="2024-09-18T05:31:11.679" v="6120" actId="27636"/>
         <pc:sldMkLst>
           <pc:docMk/>
           <pc:sldMk cId="2517572932" sldId="261"/>
@@ -345,7 +361,7 @@
           </ac:spMkLst>
         </pc:spChg>
         <pc:spChg chg="mod">
-          <ac:chgData name="Greg V Placencia" userId="b6b79b4f-f3e6-4254-80b1-b756d9b40991" providerId="ADAL" clId="{0FF74C76-C950-483F-9296-D45A2129EF01}" dt="2024-09-17T05:57:24.970" v="5438" actId="20577"/>
+          <ac:chgData name="Greg V Placencia" userId="b6b79b4f-f3e6-4254-80b1-b756d9b40991" providerId="ADAL" clId="{0FF74C76-C950-483F-9296-D45A2129EF01}" dt="2024-09-18T05:31:11.679" v="6120" actId="27636"/>
           <ac:spMkLst>
             <pc:docMk/>
             <pc:sldMk cId="2517572932" sldId="261"/>
@@ -609,6 +625,84 @@
           </ac:spMkLst>
         </pc:spChg>
       </pc:sldChg>
+      <pc:sldChg chg="addSp delSp modSp add mod">
+        <pc:chgData name="Greg V Placencia" userId="b6b79b4f-f3e6-4254-80b1-b756d9b40991" providerId="ADAL" clId="{0FF74C76-C950-483F-9296-D45A2129EF01}" dt="2024-09-18T06:21:24.673" v="6886" actId="1076"/>
+        <pc:sldMkLst>
+          <pc:docMk/>
+          <pc:sldMk cId="481267087" sldId="269"/>
+        </pc:sldMkLst>
+        <pc:spChg chg="del mod">
+          <ac:chgData name="Greg V Placencia" userId="b6b79b4f-f3e6-4254-80b1-b756d9b40991" providerId="ADAL" clId="{0FF74C76-C950-483F-9296-D45A2129EF01}" dt="2024-09-18T05:48:48.535" v="6241"/>
+          <ac:spMkLst>
+            <pc:docMk/>
+            <pc:sldMk cId="481267087" sldId="269"/>
+            <ac:spMk id="9" creationId="{CA5C72D0-8D12-27D9-1C05-B2159C1BFC14}"/>
+          </ac:spMkLst>
+        </pc:spChg>
+        <pc:picChg chg="add mod">
+          <ac:chgData name="Greg V Placencia" userId="b6b79b4f-f3e6-4254-80b1-b756d9b40991" providerId="ADAL" clId="{0FF74C76-C950-483F-9296-D45A2129EF01}" dt="2024-09-18T06:21:24.673" v="6886" actId="1076"/>
+          <ac:picMkLst>
+            <pc:docMk/>
+            <pc:sldMk cId="481267087" sldId="269"/>
+            <ac:picMk id="3" creationId="{06FA53B2-841E-7ACE-2EDB-9552DC1C35C2}"/>
+          </ac:picMkLst>
+        </pc:picChg>
+        <pc:picChg chg="del">
+          <ac:chgData name="Greg V Placencia" userId="b6b79b4f-f3e6-4254-80b1-b756d9b40991" providerId="ADAL" clId="{0FF74C76-C950-483F-9296-D45A2129EF01}" dt="2024-09-18T05:48:44.918" v="6239" actId="21"/>
+          <ac:picMkLst>
+            <pc:docMk/>
+            <pc:sldMk cId="481267087" sldId="269"/>
+            <ac:picMk id="5" creationId="{06FA53B2-841E-7ACE-2EDB-9552DC1C35C2}"/>
+          </ac:picMkLst>
+        </pc:picChg>
+      </pc:sldChg>
+      <pc:sldChg chg="addSp delSp modSp add del mod setBg chgLayout">
+        <pc:chgData name="Greg V Placencia" userId="b6b79b4f-f3e6-4254-80b1-b756d9b40991" providerId="ADAL" clId="{0FF74C76-C950-483F-9296-D45A2129EF01}" dt="2024-09-18T05:43:41.021" v="6217" actId="2696"/>
+        <pc:sldMkLst>
+          <pc:docMk/>
+          <pc:sldMk cId="3901247166" sldId="269"/>
+        </pc:sldMkLst>
+        <pc:spChg chg="mod ord">
+          <ac:chgData name="Greg V Placencia" userId="b6b79b4f-f3e6-4254-80b1-b756d9b40991" providerId="ADAL" clId="{0FF74C76-C950-483F-9296-D45A2129EF01}" dt="2024-09-18T05:38:49.431" v="6170" actId="20577"/>
+          <ac:spMkLst>
+            <pc:docMk/>
+            <pc:sldMk cId="3901247166" sldId="269"/>
+            <ac:spMk id="2" creationId="{B3E1E5A2-DCD1-1E13-8C32-ABFE9D836E0F}"/>
+          </ac:spMkLst>
+        </pc:spChg>
+        <pc:spChg chg="add del mod">
+          <ac:chgData name="Greg V Placencia" userId="b6b79b4f-f3e6-4254-80b1-b756d9b40991" providerId="ADAL" clId="{0FF74C76-C950-483F-9296-D45A2129EF01}" dt="2024-09-18T05:36:18.578" v="6125" actId="6264"/>
+          <ac:spMkLst>
+            <pc:docMk/>
+            <pc:sldMk cId="3901247166" sldId="269"/>
+            <ac:spMk id="3" creationId="{F6453701-3DD7-C358-8426-4C2F6E0643E1}"/>
+          </ac:spMkLst>
+        </pc:spChg>
+        <pc:spChg chg="add del mod">
+          <ac:chgData name="Greg V Placencia" userId="b6b79b4f-f3e6-4254-80b1-b756d9b40991" providerId="ADAL" clId="{0FF74C76-C950-483F-9296-D45A2129EF01}" dt="2024-09-18T05:36:18.578" v="6125" actId="6264"/>
+          <ac:spMkLst>
+            <pc:docMk/>
+            <pc:sldMk cId="3901247166" sldId="269"/>
+            <ac:spMk id="4" creationId="{89E3EAF2-8258-3C87-C7EA-3F58B882E1FF}"/>
+          </ac:spMkLst>
+        </pc:spChg>
+        <pc:spChg chg="mod ord">
+          <ac:chgData name="Greg V Placencia" userId="b6b79b4f-f3e6-4254-80b1-b756d9b40991" providerId="ADAL" clId="{0FF74C76-C950-483F-9296-D45A2129EF01}" dt="2024-09-18T05:39:50.553" v="6190" actId="20577"/>
+          <ac:spMkLst>
+            <pc:docMk/>
+            <pc:sldMk cId="3901247166" sldId="269"/>
+            <ac:spMk id="9" creationId="{CA5C72D0-8D12-27D9-1C05-B2159C1BFC14}"/>
+          </ac:spMkLst>
+        </pc:spChg>
+        <pc:picChg chg="mod ord modCrop">
+          <ac:chgData name="Greg V Placencia" userId="b6b79b4f-f3e6-4254-80b1-b756d9b40991" providerId="ADAL" clId="{0FF74C76-C950-483F-9296-D45A2129EF01}" dt="2024-09-18T05:40:37.333" v="6197" actId="1076"/>
+          <ac:picMkLst>
+            <pc:docMk/>
+            <pc:sldMk cId="3901247166" sldId="269"/>
+            <ac:picMk id="5" creationId="{06FA53B2-841E-7ACE-2EDB-9552DC1C35C2}"/>
+          </ac:picMkLst>
+        </pc:picChg>
+      </pc:sldChg>
       <pc:sldChg chg="modSp add del mod ord">
         <pc:chgData name="Greg V Placencia" userId="b6b79b4f-f3e6-4254-80b1-b756d9b40991" providerId="ADAL" clId="{0FF74C76-C950-483F-9296-D45A2129EF01}" dt="2024-09-16T19:39:37.890" v="1349" actId="2696"/>
         <pc:sldMkLst>
@@ -734,7 +828,7 @@
         </pc:picChg>
       </pc:sldChg>
       <pc:sldChg chg="modSp new mod ord">
-        <pc:chgData name="Greg V Placencia" userId="b6b79b4f-f3e6-4254-80b1-b756d9b40991" providerId="ADAL" clId="{0FF74C76-C950-483F-9296-D45A2129EF01}" dt="2024-09-17T05:32:50.907" v="5049" actId="20577"/>
+        <pc:chgData name="Greg V Placencia" userId="b6b79b4f-f3e6-4254-80b1-b756d9b40991" providerId="ADAL" clId="{0FF74C76-C950-483F-9296-D45A2129EF01}" dt="2024-09-18T05:17:52.879" v="5828" actId="20577"/>
         <pc:sldMkLst>
           <pc:docMk/>
           <pc:sldMk cId="2394194502" sldId="273"/>
@@ -748,7 +842,7 @@
           </ac:spMkLst>
         </pc:spChg>
         <pc:spChg chg="mod">
-          <ac:chgData name="Greg V Placencia" userId="b6b79b4f-f3e6-4254-80b1-b756d9b40991" providerId="ADAL" clId="{0FF74C76-C950-483F-9296-D45A2129EF01}" dt="2024-09-17T05:32:50.907" v="5049" actId="20577"/>
+          <ac:chgData name="Greg V Placencia" userId="b6b79b4f-f3e6-4254-80b1-b756d9b40991" providerId="ADAL" clId="{0FF74C76-C950-483F-9296-D45A2129EF01}" dt="2024-09-18T05:17:52.879" v="5828" actId="20577"/>
           <ac:spMkLst>
             <pc:docMk/>
             <pc:sldMk cId="2394194502" sldId="273"/>
@@ -991,11 +1085,19 @@
         </pc:picChg>
       </pc:sldChg>
       <pc:sldChg chg="addSp delSp modSp add mod">
-        <pc:chgData name="Greg V Placencia" userId="b6b79b4f-f3e6-4254-80b1-b756d9b40991" providerId="ADAL" clId="{0FF74C76-C950-483F-9296-D45A2129EF01}" dt="2024-09-17T05:39:55.741" v="5138"/>
+        <pc:chgData name="Greg V Placencia" userId="b6b79b4f-f3e6-4254-80b1-b756d9b40991" providerId="ADAL" clId="{0FF74C76-C950-483F-9296-D45A2129EF01}" dt="2024-09-18T05:26:44.355" v="5957" actId="1076"/>
         <pc:sldMkLst>
           <pc:docMk/>
           <pc:sldMk cId="2554643146" sldId="279"/>
         </pc:sldMkLst>
+        <pc:spChg chg="add mod">
+          <ac:chgData name="Greg V Placencia" userId="b6b79b4f-f3e6-4254-80b1-b756d9b40991" providerId="ADAL" clId="{0FF74C76-C950-483F-9296-D45A2129EF01}" dt="2024-09-18T05:26:44.355" v="5957" actId="1076"/>
+          <ac:spMkLst>
+            <pc:docMk/>
+            <pc:sldMk cId="2554643146" sldId="279"/>
+            <ac:spMk id="3" creationId="{2477F676-86B1-89FA-AC88-2421456EFCB3}"/>
+          </ac:spMkLst>
+        </pc:spChg>
         <pc:spChg chg="del mod">
           <ac:chgData name="Greg V Placencia" userId="b6b79b4f-f3e6-4254-80b1-b756d9b40991" providerId="ADAL" clId="{0FF74C76-C950-483F-9296-D45A2129EF01}" dt="2024-09-17T05:39:23.673" v="5131"/>
           <ac:spMkLst>
@@ -1324,6 +1426,261 @@
             <pc:docMk/>
             <pc:sldMk cId="3251979457" sldId="285"/>
             <ac:spMk id="4" creationId="{CCE4C6E1-1EC5-6BAA-4F38-B704F33304E4}"/>
+          </ac:spMkLst>
+        </pc:spChg>
+      </pc:sldChg>
+      <pc:sldChg chg="addSp delSp modSp add del mod chgLayout">
+        <pc:chgData name="Greg V Placencia" userId="b6b79b4f-f3e6-4254-80b1-b756d9b40991" providerId="ADAL" clId="{0FF74C76-C950-483F-9296-D45A2129EF01}" dt="2024-09-18T05:43:41.021" v="6217" actId="2696"/>
+        <pc:sldMkLst>
+          <pc:docMk/>
+          <pc:sldMk cId="801217171" sldId="286"/>
+        </pc:sldMkLst>
+        <pc:spChg chg="mod ord">
+          <ac:chgData name="Greg V Placencia" userId="b6b79b4f-f3e6-4254-80b1-b756d9b40991" providerId="ADAL" clId="{0FF74C76-C950-483F-9296-D45A2129EF01}" dt="2024-09-18T05:37:57.863" v="6161" actId="20577"/>
+          <ac:spMkLst>
+            <pc:docMk/>
+            <pc:sldMk cId="801217171" sldId="286"/>
+            <ac:spMk id="2" creationId="{59317EB6-3429-E828-2A4C-C9ED0E41E9FC}"/>
+          </ac:spMkLst>
+        </pc:spChg>
+        <pc:spChg chg="mod ord">
+          <ac:chgData name="Greg V Placencia" userId="b6b79b4f-f3e6-4254-80b1-b756d9b40991" providerId="ADAL" clId="{0FF74C76-C950-483F-9296-D45A2129EF01}" dt="2024-09-18T05:43:06.715" v="6216" actId="20577"/>
+          <ac:spMkLst>
+            <pc:docMk/>
+            <pc:sldMk cId="801217171" sldId="286"/>
+            <ac:spMk id="3" creationId="{1D6F4BC0-53A4-A9BA-8E63-9897E84644E8}"/>
+          </ac:spMkLst>
+        </pc:spChg>
+        <pc:spChg chg="add del mod">
+          <ac:chgData name="Greg V Placencia" userId="b6b79b4f-f3e6-4254-80b1-b756d9b40991" providerId="ADAL" clId="{0FF74C76-C950-483F-9296-D45A2129EF01}" dt="2024-09-18T05:36:18.578" v="6125" actId="6264"/>
+          <ac:spMkLst>
+            <pc:docMk/>
+            <pc:sldMk cId="801217171" sldId="286"/>
+            <ac:spMk id="4" creationId="{8599974A-597C-68FC-311C-BFA1143533CE}"/>
+          </ac:spMkLst>
+        </pc:spChg>
+        <pc:spChg chg="add del mod">
+          <ac:chgData name="Greg V Placencia" userId="b6b79b4f-f3e6-4254-80b1-b756d9b40991" providerId="ADAL" clId="{0FF74C76-C950-483F-9296-D45A2129EF01}" dt="2024-09-18T05:36:18.578" v="6125" actId="6264"/>
+          <ac:spMkLst>
+            <pc:docMk/>
+            <pc:sldMk cId="801217171" sldId="286"/>
+            <ac:spMk id="5" creationId="{CEF47F87-0D3E-7713-3532-DCD5F13BC6A1}"/>
+          </ac:spMkLst>
+        </pc:spChg>
+      </pc:sldChg>
+      <pc:sldChg chg="modSp add mod">
+        <pc:chgData name="Greg V Placencia" userId="b6b79b4f-f3e6-4254-80b1-b756d9b40991" providerId="ADAL" clId="{0FF74C76-C950-483F-9296-D45A2129EF01}" dt="2024-09-18T06:20:36.557" v="6882" actId="20577"/>
+        <pc:sldMkLst>
+          <pc:docMk/>
+          <pc:sldMk cId="3654006107" sldId="286"/>
+        </pc:sldMkLst>
+        <pc:spChg chg="mod">
+          <ac:chgData name="Greg V Placencia" userId="b6b79b4f-f3e6-4254-80b1-b756d9b40991" providerId="ADAL" clId="{0FF74C76-C950-483F-9296-D45A2129EF01}" dt="2024-09-18T05:44:56.571" v="6220" actId="20577"/>
+          <ac:spMkLst>
+            <pc:docMk/>
+            <pc:sldMk cId="3654006107" sldId="286"/>
+            <ac:spMk id="2" creationId="{59317EB6-3429-E828-2A4C-C9ED0E41E9FC}"/>
+          </ac:spMkLst>
+        </pc:spChg>
+        <pc:spChg chg="mod">
+          <ac:chgData name="Greg V Placencia" userId="b6b79b4f-f3e6-4254-80b1-b756d9b40991" providerId="ADAL" clId="{0FF74C76-C950-483F-9296-D45A2129EF01}" dt="2024-09-18T06:20:36.557" v="6882" actId="20577"/>
+          <ac:spMkLst>
+            <pc:docMk/>
+            <pc:sldMk cId="3654006107" sldId="286"/>
+            <ac:spMk id="3" creationId="{1D6F4BC0-53A4-A9BA-8E63-9897E84644E8}"/>
+          </ac:spMkLst>
+        </pc:spChg>
+      </pc:sldChg>
+      <pc:sldChg chg="addSp delSp modSp add del mod setBg chgLayout">
+        <pc:chgData name="Greg V Placencia" userId="b6b79b4f-f3e6-4254-80b1-b756d9b40991" providerId="ADAL" clId="{0FF74C76-C950-483F-9296-D45A2129EF01}" dt="2024-09-18T05:43:41.021" v="6217" actId="2696"/>
+        <pc:sldMkLst>
+          <pc:docMk/>
+          <pc:sldMk cId="2148980882" sldId="287"/>
+        </pc:sldMkLst>
+        <pc:spChg chg="mod ord">
+          <ac:chgData name="Greg V Placencia" userId="b6b79b4f-f3e6-4254-80b1-b756d9b40991" providerId="ADAL" clId="{0FF74C76-C950-483F-9296-D45A2129EF01}" dt="2024-09-18T05:36:18.578" v="6125" actId="6264"/>
+          <ac:spMkLst>
+            <pc:docMk/>
+            <pc:sldMk cId="2148980882" sldId="287"/>
+            <ac:spMk id="2" creationId="{81918B4F-0000-E599-D299-0E1B807B6F2D}"/>
+          </ac:spMkLst>
+        </pc:spChg>
+        <pc:spChg chg="add del mod">
+          <ac:chgData name="Greg V Placencia" userId="b6b79b4f-f3e6-4254-80b1-b756d9b40991" providerId="ADAL" clId="{0FF74C76-C950-483F-9296-D45A2129EF01}" dt="2024-09-18T05:36:18.578" v="6125" actId="6264"/>
+          <ac:spMkLst>
+            <pc:docMk/>
+            <pc:sldMk cId="2148980882" sldId="287"/>
+            <ac:spMk id="3" creationId="{DB4D4465-E195-1DFD-6F20-FCBB2533FAC1}"/>
+          </ac:spMkLst>
+        </pc:spChg>
+        <pc:spChg chg="add del mod">
+          <ac:chgData name="Greg V Placencia" userId="b6b79b4f-f3e6-4254-80b1-b756d9b40991" providerId="ADAL" clId="{0FF74C76-C950-483F-9296-D45A2129EF01}" dt="2024-09-18T05:36:18.578" v="6125" actId="6264"/>
+          <ac:spMkLst>
+            <pc:docMk/>
+            <pc:sldMk cId="2148980882" sldId="287"/>
+            <ac:spMk id="4" creationId="{A474C20B-6AED-D488-5BD3-069F9716938D}"/>
+          </ac:spMkLst>
+        </pc:spChg>
+        <pc:spChg chg="mod ord">
+          <ac:chgData name="Greg V Placencia" userId="b6b79b4f-f3e6-4254-80b1-b756d9b40991" providerId="ADAL" clId="{0FF74C76-C950-483F-9296-D45A2129EF01}" dt="2024-09-18T05:36:18.794" v="6128" actId="27636"/>
+          <ac:spMkLst>
+            <pc:docMk/>
+            <pc:sldMk cId="2148980882" sldId="287"/>
+            <ac:spMk id="9" creationId="{94542C8C-7747-C304-2E08-96935CC0DF0B}"/>
+          </ac:spMkLst>
+        </pc:spChg>
+      </pc:sldChg>
+      <pc:sldChg chg="addSp delSp modSp add mod chgLayout">
+        <pc:chgData name="Greg V Placencia" userId="b6b79b4f-f3e6-4254-80b1-b756d9b40991" providerId="ADAL" clId="{0FF74C76-C950-483F-9296-D45A2129EF01}" dt="2024-09-18T05:52:55.998" v="6398" actId="1076"/>
+        <pc:sldMkLst>
+          <pc:docMk/>
+          <pc:sldMk cId="2620350912" sldId="287"/>
+        </pc:sldMkLst>
+        <pc:spChg chg="mod ord">
+          <ac:chgData name="Greg V Placencia" userId="b6b79b4f-f3e6-4254-80b1-b756d9b40991" providerId="ADAL" clId="{0FF74C76-C950-483F-9296-D45A2129EF01}" dt="2024-09-18T05:50:07.823" v="6294" actId="6264"/>
+          <ac:spMkLst>
+            <pc:docMk/>
+            <pc:sldMk cId="2620350912" sldId="287"/>
+            <ac:spMk id="2" creationId="{81918B4F-0000-E599-D299-0E1B807B6F2D}"/>
+          </ac:spMkLst>
+        </pc:spChg>
+        <pc:spChg chg="add del mod">
+          <ac:chgData name="Greg V Placencia" userId="b6b79b4f-f3e6-4254-80b1-b756d9b40991" providerId="ADAL" clId="{0FF74C76-C950-483F-9296-D45A2129EF01}" dt="2024-09-18T05:50:07.823" v="6294" actId="6264"/>
+          <ac:spMkLst>
+            <pc:docMk/>
+            <pc:sldMk cId="2620350912" sldId="287"/>
+            <ac:spMk id="3" creationId="{E9432B50-88F9-7E43-298A-29954F8E2746}"/>
+          </ac:spMkLst>
+        </pc:spChg>
+        <pc:spChg chg="add del mod">
+          <ac:chgData name="Greg V Placencia" userId="b6b79b4f-f3e6-4254-80b1-b756d9b40991" providerId="ADAL" clId="{0FF74C76-C950-483F-9296-D45A2129EF01}" dt="2024-09-18T05:50:07.823" v="6294" actId="6264"/>
+          <ac:spMkLst>
+            <pc:docMk/>
+            <pc:sldMk cId="2620350912" sldId="287"/>
+            <ac:spMk id="4" creationId="{6D357EB7-979B-54D2-387A-CB873A539ACB}"/>
+          </ac:spMkLst>
+        </pc:spChg>
+        <pc:spChg chg="mod ord">
+          <ac:chgData name="Greg V Placencia" userId="b6b79b4f-f3e6-4254-80b1-b756d9b40991" providerId="ADAL" clId="{0FF74C76-C950-483F-9296-D45A2129EF01}" dt="2024-09-18T05:52:04.750" v="6388" actId="20577"/>
+          <ac:spMkLst>
+            <pc:docMk/>
+            <pc:sldMk cId="2620350912" sldId="287"/>
+            <ac:spMk id="9" creationId="{94542C8C-7747-C304-2E08-96935CC0DF0B}"/>
+          </ac:spMkLst>
+        </pc:spChg>
+        <pc:picChg chg="mod modCrop">
+          <ac:chgData name="Greg V Placencia" userId="b6b79b4f-f3e6-4254-80b1-b756d9b40991" providerId="ADAL" clId="{0FF74C76-C950-483F-9296-D45A2129EF01}" dt="2024-09-18T05:52:55.998" v="6398" actId="1076"/>
+          <ac:picMkLst>
+            <pc:docMk/>
+            <pc:sldMk cId="2620350912" sldId="287"/>
+            <ac:picMk id="5" creationId="{D4FE76B8-7510-FB2D-2FEC-CDA5F8680DF1}"/>
+          </ac:picMkLst>
+        </pc:picChg>
+      </pc:sldChg>
+      <pc:sldChg chg="modSp add mod">
+        <pc:chgData name="Greg V Placencia" userId="b6b79b4f-f3e6-4254-80b1-b756d9b40991" providerId="ADAL" clId="{0FF74C76-C950-483F-9296-D45A2129EF01}" dt="2024-09-18T06:12:30.784" v="6591" actId="20577"/>
+        <pc:sldMkLst>
+          <pc:docMk/>
+          <pc:sldMk cId="2261502492" sldId="288"/>
+        </pc:sldMkLst>
+        <pc:spChg chg="mod">
+          <ac:chgData name="Greg V Placencia" userId="b6b79b4f-f3e6-4254-80b1-b756d9b40991" providerId="ADAL" clId="{0FF74C76-C950-483F-9296-D45A2129EF01}" dt="2024-09-18T06:12:30.784" v="6591" actId="20577"/>
+          <ac:spMkLst>
+            <pc:docMk/>
+            <pc:sldMk cId="2261502492" sldId="288"/>
+            <ac:spMk id="3" creationId="{0ACE416D-F8DE-13E3-5552-546D50F35383}"/>
+          </ac:spMkLst>
+        </pc:spChg>
+      </pc:sldChg>
+      <pc:sldChg chg="modSp add mod">
+        <pc:chgData name="Greg V Placencia" userId="b6b79b4f-f3e6-4254-80b1-b756d9b40991" providerId="ADAL" clId="{0FF74C76-C950-483F-9296-D45A2129EF01}" dt="2024-09-18T06:15:06.717" v="6626" actId="20577"/>
+        <pc:sldMkLst>
+          <pc:docMk/>
+          <pc:sldMk cId="3256333447" sldId="289"/>
+        </pc:sldMkLst>
+        <pc:spChg chg="mod">
+          <ac:chgData name="Greg V Placencia" userId="b6b79b4f-f3e6-4254-80b1-b756d9b40991" providerId="ADAL" clId="{0FF74C76-C950-483F-9296-D45A2129EF01}" dt="2024-09-18T06:15:06.717" v="6626" actId="20577"/>
+          <ac:spMkLst>
+            <pc:docMk/>
+            <pc:sldMk cId="3256333447" sldId="289"/>
+            <ac:spMk id="3" creationId="{41D282DF-B7B6-ABE4-3DA2-52FB807EA59F}"/>
+          </ac:spMkLst>
+        </pc:spChg>
+      </pc:sldChg>
+      <pc:sldChg chg="modSp add mod setBg">
+        <pc:chgData name="Greg V Placencia" userId="b6b79b4f-f3e6-4254-80b1-b756d9b40991" providerId="ADAL" clId="{0FF74C76-C950-483F-9296-D45A2129EF01}" dt="2024-09-18T06:10:36.591" v="6566" actId="27636"/>
+        <pc:sldMkLst>
+          <pc:docMk/>
+          <pc:sldMk cId="164975018" sldId="290"/>
+        </pc:sldMkLst>
+        <pc:spChg chg="mod">
+          <ac:chgData name="Greg V Placencia" userId="b6b79b4f-f3e6-4254-80b1-b756d9b40991" providerId="ADAL" clId="{0FF74C76-C950-483F-9296-D45A2129EF01}" dt="2024-09-18T06:10:36.591" v="6566" actId="27636"/>
+          <ac:spMkLst>
+            <pc:docMk/>
+            <pc:sldMk cId="164975018" sldId="290"/>
+            <ac:spMk id="63" creationId="{4C82C341-78B7-974D-551E-65359B6B48B9}"/>
+          </ac:spMkLst>
+        </pc:spChg>
+      </pc:sldChg>
+      <pc:sldChg chg="modSp add mod">
+        <pc:chgData name="Greg V Placencia" userId="b6b79b4f-f3e6-4254-80b1-b756d9b40991" providerId="ADAL" clId="{0FF74C76-C950-483F-9296-D45A2129EF01}" dt="2024-09-18T06:23:04.215" v="6900" actId="20577"/>
+        <pc:sldMkLst>
+          <pc:docMk/>
+          <pc:sldMk cId="2557612174" sldId="291"/>
+        </pc:sldMkLst>
+        <pc:spChg chg="mod">
+          <ac:chgData name="Greg V Placencia" userId="b6b79b4f-f3e6-4254-80b1-b756d9b40991" providerId="ADAL" clId="{0FF74C76-C950-483F-9296-D45A2129EF01}" dt="2024-09-18T06:22:50.103" v="6898" actId="20577"/>
+          <ac:spMkLst>
+            <pc:docMk/>
+            <pc:sldMk cId="2557612174" sldId="291"/>
+            <ac:spMk id="2" creationId="{E7897995-B55D-DB4C-17E0-8CF0CE10C26C}"/>
+          </ac:spMkLst>
+        </pc:spChg>
+        <pc:spChg chg="mod">
+          <ac:chgData name="Greg V Placencia" userId="b6b79b4f-f3e6-4254-80b1-b756d9b40991" providerId="ADAL" clId="{0FF74C76-C950-483F-9296-D45A2129EF01}" dt="2024-09-18T06:23:04.215" v="6900" actId="20577"/>
+          <ac:spMkLst>
+            <pc:docMk/>
+            <pc:sldMk cId="2557612174" sldId="291"/>
+            <ac:spMk id="3" creationId="{FE0EE2E3-11E2-5B63-CF3A-AFDB723CACFE}"/>
+          </ac:spMkLst>
+        </pc:spChg>
+      </pc:sldChg>
+      <pc:sldChg chg="addSp delSp modSp new mod modClrScheme chgLayout">
+        <pc:chgData name="Greg V Placencia" userId="b6b79b4f-f3e6-4254-80b1-b756d9b40991" providerId="ADAL" clId="{0FF74C76-C950-483F-9296-D45A2129EF01}" dt="2024-09-18T06:24:59.246" v="6906" actId="20577"/>
+        <pc:sldMkLst>
+          <pc:docMk/>
+          <pc:sldMk cId="2153783163" sldId="292"/>
+        </pc:sldMkLst>
+        <pc:spChg chg="del mod ord">
+          <ac:chgData name="Greg V Placencia" userId="b6b79b4f-f3e6-4254-80b1-b756d9b40991" providerId="ADAL" clId="{0FF74C76-C950-483F-9296-D45A2129EF01}" dt="2024-09-18T06:24:56.436" v="6902" actId="700"/>
+          <ac:spMkLst>
+            <pc:docMk/>
+            <pc:sldMk cId="2153783163" sldId="292"/>
+            <ac:spMk id="2" creationId="{2CBB8CC3-9907-FEBB-151D-F5752A9BB46D}"/>
+          </ac:spMkLst>
+        </pc:spChg>
+        <pc:spChg chg="del mod ord">
+          <ac:chgData name="Greg V Placencia" userId="b6b79b4f-f3e6-4254-80b1-b756d9b40991" providerId="ADAL" clId="{0FF74C76-C950-483F-9296-D45A2129EF01}" dt="2024-09-18T06:24:56.436" v="6902" actId="700"/>
+          <ac:spMkLst>
+            <pc:docMk/>
+            <pc:sldMk cId="2153783163" sldId="292"/>
+            <ac:spMk id="3" creationId="{32008086-C1B7-781E-091B-5A9A4ED52A4E}"/>
+          </ac:spMkLst>
+        </pc:spChg>
+        <pc:spChg chg="add mod ord">
+          <ac:chgData name="Greg V Placencia" userId="b6b79b4f-f3e6-4254-80b1-b756d9b40991" providerId="ADAL" clId="{0FF74C76-C950-483F-9296-D45A2129EF01}" dt="2024-09-18T06:24:59.246" v="6906" actId="20577"/>
+          <ac:spMkLst>
+            <pc:docMk/>
+            <pc:sldMk cId="2153783163" sldId="292"/>
+            <ac:spMk id="4" creationId="{4491A7A3-BD45-5CF2-0B00-02844E55EC71}"/>
+          </ac:spMkLst>
+        </pc:spChg>
+        <pc:spChg chg="add mod ord">
+          <ac:chgData name="Greg V Placencia" userId="b6b79b4f-f3e6-4254-80b1-b756d9b40991" providerId="ADAL" clId="{0FF74C76-C950-483F-9296-D45A2129EF01}" dt="2024-09-18T06:24:56.436" v="6902" actId="700"/>
+          <ac:spMkLst>
+            <pc:docMk/>
+            <pc:sldMk cId="2153783163" sldId="292"/>
+            <ac:spMk id="5" creationId="{394CF8A2-48DC-C6CA-E262-9F38EDD9CCC1}"/>
           </ac:spMkLst>
         </pc:spChg>
       </pc:sldChg>
@@ -1479,7 +1836,7 @@
           <a:p>
             <a:fld id="{93F9599A-2F09-487E-817F-4F4DE687AD85}" type="datetimeFigureOut">
               <a:rPr lang="en-US" smtClean="0"/>
-              <a:t>9/14/2024</a:t>
+              <a:t>9/17/2024</a:t>
             </a:fld>
             <a:endParaRPr lang="en-US"/>
           </a:p>
@@ -1677,7 +2034,7 @@
           <a:p>
             <a:fld id="{93F9599A-2F09-487E-817F-4F4DE687AD85}" type="datetimeFigureOut">
               <a:rPr lang="en-US" smtClean="0"/>
-              <a:t>9/14/2024</a:t>
+              <a:t>9/17/2024</a:t>
             </a:fld>
             <a:endParaRPr lang="en-US"/>
           </a:p>
@@ -1885,7 +2242,7 @@
           <a:p>
             <a:fld id="{93F9599A-2F09-487E-817F-4F4DE687AD85}" type="datetimeFigureOut">
               <a:rPr lang="en-US" smtClean="0"/>
-              <a:t>9/14/2024</a:t>
+              <a:t>9/17/2024</a:t>
             </a:fld>
             <a:endParaRPr lang="en-US"/>
           </a:p>
@@ -2083,7 +2440,7 @@
           <a:p>
             <a:fld id="{93F9599A-2F09-487E-817F-4F4DE687AD85}" type="datetimeFigureOut">
               <a:rPr lang="en-US" smtClean="0"/>
-              <a:t>9/14/2024</a:t>
+              <a:t>9/17/2024</a:t>
             </a:fld>
             <a:endParaRPr lang="en-US"/>
           </a:p>
@@ -2358,7 +2715,7 @@
           <a:p>
             <a:fld id="{93F9599A-2F09-487E-817F-4F4DE687AD85}" type="datetimeFigureOut">
               <a:rPr lang="en-US" smtClean="0"/>
-              <a:t>9/14/2024</a:t>
+              <a:t>9/17/2024</a:t>
             </a:fld>
             <a:endParaRPr lang="en-US"/>
           </a:p>
@@ -2623,7 +2980,7 @@
           <a:p>
             <a:fld id="{93F9599A-2F09-487E-817F-4F4DE687AD85}" type="datetimeFigureOut">
               <a:rPr lang="en-US" smtClean="0"/>
-              <a:t>9/14/2024</a:t>
+              <a:t>9/17/2024</a:t>
             </a:fld>
             <a:endParaRPr lang="en-US"/>
           </a:p>
@@ -3035,7 +3392,7 @@
           <a:p>
             <a:fld id="{93F9599A-2F09-487E-817F-4F4DE687AD85}" type="datetimeFigureOut">
               <a:rPr lang="en-US" smtClean="0"/>
-              <a:t>9/14/2024</a:t>
+              <a:t>9/17/2024</a:t>
             </a:fld>
             <a:endParaRPr lang="en-US"/>
           </a:p>
@@ -3176,7 +3533,7 @@
           <a:p>
             <a:fld id="{93F9599A-2F09-487E-817F-4F4DE687AD85}" type="datetimeFigureOut">
               <a:rPr lang="en-US" smtClean="0"/>
-              <a:t>9/14/2024</a:t>
+              <a:t>9/17/2024</a:t>
             </a:fld>
             <a:endParaRPr lang="en-US"/>
           </a:p>
@@ -3289,7 +3646,7 @@
           <a:p>
             <a:fld id="{93F9599A-2F09-487E-817F-4F4DE687AD85}" type="datetimeFigureOut">
               <a:rPr lang="en-US" smtClean="0"/>
-              <a:t>9/14/2024</a:t>
+              <a:t>9/17/2024</a:t>
             </a:fld>
             <a:endParaRPr lang="en-US"/>
           </a:p>
@@ -3600,7 +3957,7 @@
           <a:p>
             <a:fld id="{93F9599A-2F09-487E-817F-4F4DE687AD85}" type="datetimeFigureOut">
               <a:rPr lang="en-US" smtClean="0"/>
-              <a:t>9/14/2024</a:t>
+              <a:t>9/17/2024</a:t>
             </a:fld>
             <a:endParaRPr lang="en-US"/>
           </a:p>
@@ -3888,7 +4245,7 @@
           <a:p>
             <a:fld id="{93F9599A-2F09-487E-817F-4F4DE687AD85}" type="datetimeFigureOut">
               <a:rPr lang="en-US" smtClean="0"/>
-              <a:t>9/14/2024</a:t>
+              <a:t>9/17/2024</a:t>
             </a:fld>
             <a:endParaRPr lang="en-US"/>
           </a:p>
@@ -4129,7 +4486,7 @@
           <a:p>
             <a:fld id="{93F9599A-2F09-487E-817F-4F4DE687AD85}" type="datetimeFigureOut">
               <a:rPr lang="en-US" smtClean="0"/>
-              <a:t>9/14/2024</a:t>
+              <a:t>9/17/2024</a:t>
             </a:fld>
             <a:endParaRPr lang="en-US"/>
           </a:p>
@@ -4673,7 +5030,7 @@
           <a:p>
             <a:r>
               <a:rPr lang="en-US" b="1" dirty="0"/>
-              <a:t>LSTM Decoder</a:t>
+              <a:t>Decoder</a:t>
             </a:r>
             <a:endParaRPr lang="en-US" dirty="0"/>
           </a:p>
@@ -4698,7 +5055,7 @@
         <p:spPr/>
         <p:txBody>
           <a:bodyPr>
-            <a:normAutofit/>
+            <a:normAutofit fontScale="92500" lnSpcReduction="10000"/>
           </a:bodyPr>
           <a:lstStyle/>
           <a:p>
@@ -4712,7 +5069,7 @@
             <a:pPr marL="285750" indent="-285750"/>
             <a:r>
               <a:rPr lang="en-US" dirty="0"/>
-              <a:t>Tries to predict the target-sequence token by token using the </a:t>
+              <a:t>Tries to predict the target-sequence token by token using </a:t>
             </a:r>
             <a:r>
               <a:rPr lang="en-US" i="1" dirty="0" err="1"/>
@@ -4724,6 +5081,37 @@
             </a:r>
           </a:p>
           <a:p>
+            <a:pPr marL="742950" lvl="1" indent="-285750"/>
+            <a:r>
+              <a:rPr lang="en-US" dirty="0"/>
+              <a:t>For any time – step </a:t>
+            </a:r>
+            <a:r>
+              <a:rPr lang="en-US" i="1" dirty="0"/>
+              <a:t>t</a:t>
+            </a:r>
+            <a:r>
+              <a:rPr lang="en-US" dirty="0"/>
+              <a:t>, output </a:t>
+            </a:r>
+            <a:r>
+              <a:rPr lang="en-US" dirty="0" err="1"/>
+              <a:t>yt_pred</a:t>
+            </a:r>
+            <a:r>
+              <a:rPr lang="en-US" dirty="0"/>
+              <a:t> is the probability distribution over entire vocabulary in the output dataset</a:t>
+            </a:r>
+          </a:p>
+          <a:p>
+            <a:pPr marL="742950" lvl="1" indent="-285750"/>
+            <a:r>
+              <a:rPr lang="en-US" i="1" dirty="0"/>
+              <a:t>Token with the maximum probability is chosen to be the predicted word.</a:t>
+            </a:r>
+            <a:endParaRPr lang="en-US" dirty="0"/>
+          </a:p>
+          <a:p>
             <a:pPr marL="285750" indent="-285750"/>
             <a:r>
               <a:rPr lang="en-US" dirty="0"/>
@@ -4749,6 +5137,20 @@
               <a:t> sometimes used to improve model outcomes</a:t>
             </a:r>
             <a:endParaRPr lang="en-US" i="1" dirty="0"/>
+          </a:p>
+          <a:p>
+            <a:pPr marL="742950" lvl="1" indent="-285750"/>
+            <a:r>
+              <a:rPr lang="en-US" dirty="0"/>
+              <a:t>Feed true output/token (not predicted output) from the previous time-step as input to the current time-step</a:t>
+            </a:r>
+          </a:p>
+          <a:p>
+            <a:pPr marL="742950" lvl="1" indent="-285750"/>
+            <a:r>
+              <a:rPr lang="en-US" dirty="0"/>
+              <a:t>Input to the time-step 2 will be y1_true=[0 1 0 0 0 0] and not y1_pred</a:t>
+            </a:r>
           </a:p>
         </p:txBody>
       </p:sp>
@@ -5349,6 +5751,63 @@
           </a:extLst>
         </p:spPr>
       </p:pic>
+      <p:sp>
+        <p:nvSpPr>
+          <p:cNvPr id="3" name="TextBox 2">
+            <a:extLst>
+              <a:ext uri="{FF2B5EF4-FFF2-40B4-BE49-F238E27FC236}">
+                <a16:creationId xmlns:a16="http://schemas.microsoft.com/office/drawing/2014/main" id="{2477F676-86B1-89FA-AC88-2421456EFCB3}"/>
+              </a:ext>
+            </a:extLst>
+          </p:cNvPr>
+          <p:cNvSpPr txBox="1"/>
+          <p:nvPr/>
+        </p:nvSpPr>
+        <p:spPr>
+          <a:xfrm>
+            <a:off x="0" y="3429000"/>
+            <a:ext cx="1803058" cy="646331"/>
+          </a:xfrm>
+          <a:prstGeom prst="rect">
+            <a:avLst/>
+          </a:prstGeom>
+          <a:noFill/>
+        </p:spPr>
+        <p:txBody>
+          <a:bodyPr wrap="none" rtlCol="0">
+            <a:spAutoFit/>
+          </a:bodyPr>
+          <a:lstStyle/>
+          <a:p>
+            <a:r>
+              <a:rPr lang="en-US" dirty="0"/>
+              <a:t>h</a:t>
+            </a:r>
+            <a:r>
+              <a:rPr lang="en-US" baseline="-25000" dirty="0"/>
+              <a:t>i</a:t>
+            </a:r>
+            <a:r>
+              <a:rPr lang="en-US" dirty="0"/>
+              <a:t> = hidden state</a:t>
+            </a:r>
+          </a:p>
+          <a:p>
+            <a:r>
+              <a:rPr lang="en-US" dirty="0"/>
+              <a:t>c</a:t>
+            </a:r>
+            <a:r>
+              <a:rPr lang="en-US" baseline="-25000" dirty="0"/>
+              <a:t>i</a:t>
+            </a:r>
+            <a:r>
+              <a:rPr lang="en-US" dirty="0"/>
+              <a:t> = cell state</a:t>
+            </a:r>
+          </a:p>
+        </p:txBody>
+      </p:sp>
     </p:spTree>
     <p:extLst>
       <p:ext uri="{BB962C8B-B14F-4D97-AF65-F5344CB8AC3E}">
@@ -5602,7 +6061,7 @@
             </a:endParaRPr>
           </a:p>
           <a:p>
-            <a:pPr algn="l"/>
+            <a:pPr lvl="1"/>
             <a:r>
               <a:rPr lang="en-US" b="0" i="0" dirty="0">
                 <a:solidFill>
@@ -5614,7 +6073,48 @@
                 </a:highlight>
                 <a:latin typeface="source-serif-pro"/>
               </a:rPr>
-              <a:t>Put special symbols “&lt;START&gt;” and “&lt;END&gt;” at the start and the end of target-sequence</a:t>
+              <a:t>Special symbols like “&lt;START&gt;” and “&lt;END&gt;” can start and end of target-sequence</a:t>
+            </a:r>
+          </a:p>
+          <a:p>
+            <a:pPr lvl="1"/>
+            <a:r>
+              <a:rPr lang="en-US" b="0" i="0" dirty="0">
+                <a:solidFill>
+                  <a:srgbClr val="242424"/>
+                </a:solidFill>
+                <a:effectLst/>
+                <a:highlight>
+                  <a:srgbClr val="FFFFFF"/>
+                </a:highlight>
+                <a:latin typeface="source-serif-pro"/>
+              </a:rPr>
+              <a:t>Can be any string not in the corpus, e</a:t>
+            </a:r>
+            <a:r>
+              <a:rPr lang="en-US" dirty="0">
+                <a:solidFill>
+                  <a:srgbClr val="242424"/>
+                </a:solidFill>
+                <a:highlight>
+                  <a:srgbClr val="FFFFFF"/>
+                </a:highlight>
+                <a:latin typeface="source-serif-pro"/>
+              </a:rPr>
+              <a:t>.g.</a:t>
+            </a:r>
+            <a:r>
+              <a:rPr lang="en-US" b="0" i="0" dirty="0">
+                <a:solidFill>
+                  <a:srgbClr val="242424"/>
+                </a:solidFill>
+                <a:effectLst/>
+                <a:highlight>
+                  <a:srgbClr val="FFFFFF"/>
+                </a:highlight>
+                <a:latin typeface="source-serif-pro"/>
+              </a:rPr>
+              <a:t> &lt;EOS&gt; to not confuse model</a:t>
             </a:r>
           </a:p>
           <a:p>
@@ -7143,7 +7643,7 @@
           <p:cNvPr id="2" name="Title 1">
             <a:extLst>
               <a:ext uri="{FF2B5EF4-FFF2-40B4-BE49-F238E27FC236}">
-                <a16:creationId xmlns:a16="http://schemas.microsoft.com/office/drawing/2014/main" id="{B602645F-0772-F704-0B64-3D5D88B1EEFD}"/>
+                <a16:creationId xmlns:a16="http://schemas.microsoft.com/office/drawing/2014/main" id="{E7897995-B55D-DB4C-17E0-8CF0CE10C26C}"/>
               </a:ext>
             </a:extLst>
           </p:cNvPr>
@@ -7152,37 +7652,6 @@
           </p:cNvSpPr>
           <p:nvPr>
             <p:ph type="title"/>
-          </p:nvPr>
-        </p:nvSpPr>
-        <p:spPr/>
-        <p:txBody>
-          <a:bodyPr>
-            <a:normAutofit/>
-          </a:bodyPr>
-          <a:lstStyle/>
-          <a:p>
-            <a:r>
-              <a:rPr lang="en-US" altLang="en-US" dirty="0"/>
-              <a:t>Limitations of traditional seq2seq models</a:t>
-            </a:r>
-            <a:endParaRPr lang="en-US" dirty="0"/>
-          </a:p>
-        </p:txBody>
-      </p:sp>
-      <p:sp>
-        <p:nvSpPr>
-          <p:cNvPr id="3" name="Content Placeholder 2">
-            <a:extLst>
-              <a:ext uri="{FF2B5EF4-FFF2-40B4-BE49-F238E27FC236}">
-                <a16:creationId xmlns:a16="http://schemas.microsoft.com/office/drawing/2014/main" id="{E63942CF-8691-BB4E-7869-595B48CE9B3B}"/>
-              </a:ext>
-            </a:extLst>
-          </p:cNvPr>
-          <p:cNvSpPr>
-            <a:spLocks noGrp="1"/>
-          </p:cNvSpPr>
-          <p:nvPr>
-            <p:ph idx="1"/>
           </p:nvPr>
         </p:nvSpPr>
         <p:spPr/>
@@ -7191,45 +7660,63 @@
           <a:lstStyle/>
           <a:p>
             <a:r>
-              <a:rPr lang="en-US" altLang="en-US" dirty="0"/>
-              <a:t>Need for better context alignment</a:t>
-            </a:r>
-          </a:p>
-          <a:p>
-            <a:endParaRPr lang="en-US" dirty="0"/>
-          </a:p>
-          <a:p>
-            <a:r>
-              <a:rPr lang="en-US" dirty="0"/>
-              <a:t>Proposed future steps</a:t>
+              <a:rPr lang="en-US" dirty="0"/>
+              <a:t>Potential Issues</a:t>
+            </a:r>
+          </a:p>
+        </p:txBody>
+      </p:sp>
+      <p:sp>
+        <p:nvSpPr>
+          <p:cNvPr id="3" name="Content Placeholder 2">
+            <a:extLst>
+              <a:ext uri="{FF2B5EF4-FFF2-40B4-BE49-F238E27FC236}">
+                <a16:creationId xmlns:a16="http://schemas.microsoft.com/office/drawing/2014/main" id="{FE0EE2E3-11E2-5B63-CF3A-AFDB723CACFE}"/>
+              </a:ext>
+            </a:extLst>
+          </p:cNvPr>
+          <p:cNvSpPr>
+            <a:spLocks noGrp="1"/>
+          </p:cNvSpPr>
+          <p:nvPr>
+            <p:ph idx="1"/>
+          </p:nvPr>
+        </p:nvSpPr>
+        <p:spPr/>
+        <p:txBody>
+          <a:bodyPr/>
+          <a:lstStyle/>
+          <a:p>
+            <a:r>
+              <a:rPr lang="en-US" dirty="0"/>
+              <a:t>Some languages like Chinese and Japanese use ideograms </a:t>
             </a:r>
           </a:p>
           <a:p>
             <a:pPr lvl="1"/>
             <a:r>
               <a:rPr lang="en-US" dirty="0"/>
-              <a:t>Foundation Models</a:t>
+              <a:t>Each character has its own meaning</a:t>
             </a:r>
           </a:p>
           <a:p>
             <a:pPr lvl="1"/>
             <a:r>
               <a:rPr lang="en-US" dirty="0"/>
-              <a:t>Attention</a:t>
+              <a:t>Meaning changes when different characters are combined.</a:t>
+            </a:r>
+          </a:p>
+          <a:p>
+            <a:r>
+              <a:rPr lang="en-US" dirty="0"/>
+              <a:t>Solution: Need to tokenize entire words instead of tokenizing each character</a:t>
             </a:r>
           </a:p>
           <a:p>
             <a:pPr lvl="1"/>
             <a:r>
               <a:rPr lang="en-US" dirty="0"/>
-              <a:t>Large Language Models</a:t>
-            </a:r>
-          </a:p>
-          <a:p>
-            <a:pPr lvl="1"/>
-            <a:r>
-              <a:rPr lang="en-US" dirty="0"/>
-              <a:t>Transformers</a:t>
+              <a:t>Requires a lot of work</a:t>
             </a:r>
           </a:p>
         </p:txBody>
@@ -7237,7 +7724,7 @@
     </p:spTree>
     <p:extLst>
       <p:ext uri="{BB962C8B-B14F-4D97-AF65-F5344CB8AC3E}">
-        <p14:creationId xmlns:p14="http://schemas.microsoft.com/office/powerpoint/2010/main" val="2400340193"/>
+        <p14:creationId xmlns:p14="http://schemas.microsoft.com/office/powerpoint/2010/main" val="2557612174"/>
       </p:ext>
     </p:extLst>
   </p:cSld>
@@ -7269,7 +7756,7 @@
           <p:cNvPr id="2" name="Title 1">
             <a:extLst>
               <a:ext uri="{FF2B5EF4-FFF2-40B4-BE49-F238E27FC236}">
-                <a16:creationId xmlns:a16="http://schemas.microsoft.com/office/drawing/2014/main" id="{E0D5A2A5-5BB1-BEC8-FDC0-E4FE269B9725}"/>
+                <a16:creationId xmlns:a16="http://schemas.microsoft.com/office/drawing/2014/main" id="{59317EB6-3429-E828-2A4C-C9ED0E41E9FC}"/>
               </a:ext>
             </a:extLst>
           </p:cNvPr>
@@ -7280,14 +7767,19 @@
             <p:ph type="title"/>
           </p:nvPr>
         </p:nvSpPr>
-        <p:spPr/>
+        <p:spPr>
+          <a:xfrm>
+            <a:off x="838200" y="365125"/>
+            <a:ext cx="10515600" cy="1325563"/>
+          </a:xfrm>
+        </p:spPr>
         <p:txBody>
           <a:bodyPr/>
           <a:lstStyle/>
           <a:p>
             <a:r>
               <a:rPr lang="en-US" dirty="0"/>
-              <a:t>References</a:t>
+              <a:t>Training – Vectorize Data</a:t>
             </a:r>
           </a:p>
         </p:txBody>
@@ -7297,7 +7789,7 @@
           <p:cNvPr id="3" name="Content Placeholder 2">
             <a:extLst>
               <a:ext uri="{FF2B5EF4-FFF2-40B4-BE49-F238E27FC236}">
-                <a16:creationId xmlns:a16="http://schemas.microsoft.com/office/drawing/2014/main" id="{9CE48323-D760-E16C-CA89-B7568448CA4A}"/>
+                <a16:creationId xmlns:a16="http://schemas.microsoft.com/office/drawing/2014/main" id="{1D6F4BC0-53A4-A9BA-8E63-9897E84644E8}"/>
               </a:ext>
             </a:extLst>
           </p:cNvPr>
@@ -7308,98 +7800,123 @@
             <p:ph idx="1"/>
           </p:nvPr>
         </p:nvSpPr>
-        <p:spPr/>
+        <p:spPr>
+          <a:xfrm>
+            <a:off x="838200" y="1825625"/>
+            <a:ext cx="10515600" cy="4351338"/>
+          </a:xfrm>
+        </p:spPr>
         <p:txBody>
           <a:bodyPr>
-            <a:normAutofit fontScale="92500" lnSpcReduction="10000"/>
+            <a:normAutofit lnSpcReduction="10000"/>
           </a:bodyPr>
           <a:lstStyle/>
           <a:p>
             <a:r>
               <a:rPr lang="en-US" dirty="0"/>
-              <a:t>[1] Chollet, F. (2017). The </a:t>
+              <a:t>Input X:</a:t>
+            </a:r>
+            <a:r>
+              <a:rPr lang="zh-CN" altLang="en-US" dirty="0"/>
+              <a:t> </a:t>
+            </a:r>
+            <a:br>
+              <a:rPr lang="en-US" altLang="zh-CN" dirty="0"/>
+            </a:br>
+            <a:r>
+              <a:rPr lang="zh-CN" altLang="en-US" dirty="0"/>
+              <a:t>‘你’</a:t>
+            </a:r>
+            <a:r>
+              <a:rPr lang="en-US" altLang="zh-CN" dirty="0"/>
+              <a:t>-&gt; x1:[1,0], </a:t>
+            </a:r>
+            <a:r>
+              <a:rPr lang="zh-CN" altLang="en-US" dirty="0"/>
+              <a:t>‘好’</a:t>
+            </a:r>
+            <a:r>
+              <a:rPr lang="en-US" altLang="zh-CN" dirty="0"/>
+              <a:t>-&gt;x2:[0,1]</a:t>
+            </a:r>
+          </a:p>
+          <a:p>
+            <a:r>
+              <a:rPr lang="en-US" dirty="0"/>
+              <a:t>In Japanese</a:t>
+            </a:r>
+          </a:p>
+          <a:p>
+            <a:pPr lvl="1"/>
+            <a:r>
+              <a:rPr lang="en-US" dirty="0"/>
+              <a:t>Kanji: </a:t>
+            </a:r>
+            <a:r>
+              <a:rPr lang="ja-JP" altLang="en-US" dirty="0"/>
+              <a:t>今日は</a:t>
+            </a:r>
+            <a:endParaRPr lang="en-US" altLang="ja-JP" dirty="0"/>
+          </a:p>
+          <a:p>
+            <a:pPr lvl="1"/>
+            <a:r>
+              <a:rPr lang="en-US" dirty="0"/>
+              <a:t>Hiragana: </a:t>
             </a:r>
             <a:r>
               <a:rPr lang="en-US" dirty="0" err="1"/>
-              <a:t>keras</a:t>
-            </a:r>
-            <a:r>
-              <a:rPr lang="en-US" dirty="0"/>
-              <a:t> blog. The </a:t>
+              <a:t>こんにちは</a:t>
+            </a:r>
+            <a:endParaRPr lang="en-US" dirty="0"/>
+          </a:p>
+          <a:p>
+            <a:r>
+              <a:rPr lang="en-US" dirty="0"/>
+              <a:t>Output </a:t>
             </a:r>
             <a:r>
               <a:rPr lang="en-US" dirty="0" err="1"/>
-              <a:t>Keras</a:t>
-            </a:r>
-            <a:r>
-              <a:rPr lang="en-US" dirty="0"/>
-              <a:t> Blog ATOM. </a:t>
-            </a:r>
-            <a:r>
-              <a:rPr lang="en-US" dirty="0">
-                <a:hlinkClick r:id="rId2"/>
-              </a:rPr>
-              <a:t>https://blog.keras.io/a-ten-minute-introduction-to-sequence-to-sequence-learning-in-keras.html#:~:text=Sequence%2Dto%2Dsequence%20learning%20(,etait%20assis%20sur%20le%20tapis%22</a:t>
-            </a:r>
-            <a:r>
-              <a:rPr lang="en-US" dirty="0"/>
-              <a:t> (Accessed Sep. 15, 2024).</a:t>
-            </a:r>
-          </a:p>
-          <a:p>
-            <a:r>
-              <a:rPr lang="en-US" dirty="0"/>
-              <a:t>[2] Chollet, F. (2023). “</a:t>
-            </a:r>
-            <a:r>
-              <a:rPr lang="en-US" dirty="0" err="1"/>
-              <a:t>Keras</a:t>
-            </a:r>
-            <a:r>
-              <a:rPr lang="en-US" dirty="0"/>
-              <a:t> documentation: Character-level recurrent sequence-to-sequence model,” </a:t>
-            </a:r>
-            <a:r>
-              <a:rPr lang="en-US" dirty="0" err="1"/>
-              <a:t>Keras</a:t>
-            </a:r>
-            <a:r>
-              <a:rPr lang="en-US" dirty="0"/>
-              <a:t>, </a:t>
-            </a:r>
-            <a:r>
-              <a:rPr lang="en-US" dirty="0">
-                <a:hlinkClick r:id="rId3"/>
-              </a:rPr>
-              <a:t>https://keras.io/examples/nlp/lstm_seq2seq/</a:t>
-            </a:r>
-            <a:r>
-              <a:rPr lang="en-US" dirty="0"/>
-              <a:t> (Accessed Sep. 15, 2024).</a:t>
-            </a:r>
-          </a:p>
-          <a:p>
-            <a:r>
-              <a:rPr lang="en-US" dirty="0"/>
-              <a:t>[3] </a:t>
-            </a:r>
-            <a:r>
-              <a:rPr lang="en-US" dirty="0" err="1"/>
-              <a:t>Eswarsai</a:t>
-            </a:r>
-            <a:r>
-              <a:rPr lang="en-US" dirty="0"/>
-              <a:t>, “Exploring different types of LSTMs,” Medium, </a:t>
-            </a:r>
-            <a:r>
-              <a:rPr lang="en-US" dirty="0">
-                <a:hlinkClick r:id="rId4"/>
-              </a:rPr>
-              <a:t>https://medium.com/analytics-vidhya/exploring-different-types-of-lstms-6109bcb037c4</a:t>
-            </a:r>
-            <a:r>
-              <a:rPr lang="en-US" dirty="0"/>
-              <a:t> (Accessed Sep. 16, 2024).</a:t>
+              <a:t>Y_true</a:t>
+            </a:r>
+            <a:r>
+              <a:rPr lang="en-US" dirty="0"/>
+              <a:t>:</a:t>
+            </a:r>
+          </a:p>
+          <a:p>
+            <a:pPr lvl="1"/>
+            <a:r>
+              <a:rPr lang="en-US" dirty="0"/>
+              <a:t>‘&lt;START&gt;’-&gt;y0_true:[1,0,0,0,0,0,0]</a:t>
+            </a:r>
+          </a:p>
+          <a:p>
+            <a:pPr lvl="1"/>
+            <a:r>
+              <a:rPr lang="en-US" dirty="0"/>
+              <a:t>こ-&gt;y1_true: [0,1,0,0,0,0,0] ん-&gt;y２_true: [0,0,1,0,0,0,0]</a:t>
+            </a:r>
+          </a:p>
+          <a:p>
+            <a:pPr lvl="1"/>
+            <a:r>
+              <a:rPr lang="en-US" dirty="0"/>
+              <a:t>に-&gt;y3_true: [0,0,0,1,0,0,0]ち-&gt;y４_true: [0,0,0,0,1,0,0]</a:t>
+            </a:r>
+          </a:p>
+          <a:p>
+            <a:pPr lvl="1"/>
+            <a:r>
+              <a:rPr lang="en-US" dirty="0"/>
+              <a:t>は -&gt;y5_true: [0,0,0,0,0,1,0]</a:t>
+            </a:r>
+          </a:p>
+          <a:p>
+            <a:pPr lvl="1"/>
+            <a:r>
+              <a:rPr lang="en-US" dirty="0"/>
+              <a:t>&lt;END&gt; -&gt;y6_true: [0,0,0,0,0,0,1]</a:t>
             </a:r>
           </a:p>
         </p:txBody>
@@ -7407,7 +7924,7 @@
     </p:spTree>
     <p:extLst>
       <p:ext uri="{BB962C8B-B14F-4D97-AF65-F5344CB8AC3E}">
-        <p14:creationId xmlns:p14="http://schemas.microsoft.com/office/powerpoint/2010/main" val="3402107292"/>
+        <p14:creationId xmlns:p14="http://schemas.microsoft.com/office/powerpoint/2010/main" val="3654006107"/>
       </p:ext>
     </p:extLst>
   </p:cSld>
@@ -7439,7 +7956,7 @@
           <p:cNvPr id="2" name="Title 1">
             <a:extLst>
               <a:ext uri="{FF2B5EF4-FFF2-40B4-BE49-F238E27FC236}">
-                <a16:creationId xmlns:a16="http://schemas.microsoft.com/office/drawing/2014/main" id="{E0D5A2A5-5BB1-BEC8-FDC0-E4FE269B9725}"/>
+                <a16:creationId xmlns:a16="http://schemas.microsoft.com/office/drawing/2014/main" id="{B3E1E5A2-DCD1-1E13-8C32-ABFE9D836E0F}"/>
               </a:ext>
             </a:extLst>
           </p:cNvPr>
@@ -7450,108 +7967,60 @@
             <p:ph type="title"/>
           </p:nvPr>
         </p:nvSpPr>
-        <p:spPr/>
-        <p:txBody>
-          <a:bodyPr/>
-          <a:lstStyle/>
-          <a:p>
-            <a:r>
-              <a:rPr lang="en-US" dirty="0"/>
-              <a:t>References</a:t>
-            </a:r>
-          </a:p>
-        </p:txBody>
-      </p:sp>
-      <p:sp>
-        <p:nvSpPr>
-          <p:cNvPr id="3" name="Content Placeholder 2">
-            <a:extLst>
-              <a:ext uri="{FF2B5EF4-FFF2-40B4-BE49-F238E27FC236}">
-                <a16:creationId xmlns:a16="http://schemas.microsoft.com/office/drawing/2014/main" id="{9CE48323-D760-E16C-CA89-B7568448CA4A}"/>
-              </a:ext>
-            </a:extLst>
-          </p:cNvPr>
-          <p:cNvSpPr>
-            <a:spLocks noGrp="1"/>
-          </p:cNvSpPr>
-          <p:nvPr>
-            <p:ph idx="1"/>
-          </p:nvPr>
-        </p:nvSpPr>
-        <p:spPr/>
+        <p:spPr>
+          <a:xfrm>
+            <a:off x="838200" y="365125"/>
+            <a:ext cx="10515600" cy="1325563"/>
+          </a:xfrm>
+        </p:spPr>
         <p:txBody>
           <a:bodyPr>
-            <a:normAutofit fontScale="92500" lnSpcReduction="10000"/>
+            <a:normAutofit/>
           </a:bodyPr>
           <a:lstStyle/>
           <a:p>
             <a:r>
               <a:rPr lang="en-US" dirty="0"/>
-              <a:t>[4] </a:t>
-            </a:r>
-            <a:r>
-              <a:rPr lang="en-US" dirty="0" err="1"/>
-              <a:t>Dobilas</a:t>
-            </a:r>
-            <a:r>
-              <a:rPr lang="en-US" dirty="0"/>
-              <a:t>, Saul. “LSTM Recurrent Neural Networks — How to Teach a Network to Remember the Past.” Medium, 5 Mar. 2022, towardsdatascience.com/lstm-recurrent-neural-networks-how-to-teach-a-network-to-remember-the-past-55e54c2ff22e. (Accessed Sept 16, 2024).</a:t>
-            </a:r>
-          </a:p>
-          <a:p>
-            <a:r>
-              <a:rPr lang="en-US" dirty="0"/>
-              <a:t>[5] K. Moses, “Encoder-Decoder Seq2Seq models, clearly explained!!,” Medium, Jul. 30, 2024. [Online]. Available: </a:t>
-            </a:r>
-            <a:r>
-              <a:rPr lang="en-US" dirty="0">
-                <a:hlinkClick r:id="rId2"/>
-              </a:rPr>
-              <a:t>https://medium.com/analytics-vidhya/encoder-decoder-seq2seq-models-clearly-explained-c34186fbf49b</a:t>
-            </a:r>
-            <a:r>
-              <a:rPr lang="en-US" dirty="0"/>
-              <a:t>. (Accessed Sept 16, 2024).</a:t>
-            </a:r>
-          </a:p>
-          <a:p>
-            <a:r>
-              <a:rPr lang="en-US" dirty="0"/>
-              <a:t>[6] I. </a:t>
-            </a:r>
-            <a:r>
-              <a:rPr lang="en-US" dirty="0" err="1"/>
-              <a:t>Sutskever</a:t>
-            </a:r>
-            <a:r>
-              <a:rPr lang="en-US" dirty="0"/>
-              <a:t>, O. </a:t>
-            </a:r>
-            <a:r>
-              <a:rPr lang="en-US" dirty="0" err="1"/>
-              <a:t>Vinyals</a:t>
-            </a:r>
-            <a:r>
-              <a:rPr lang="en-US" dirty="0"/>
-              <a:t>, and Q. Le V., “Sequence to Sequence Learning with Neural Networks,” arXiv.org, Sep. 10, 2014. </a:t>
-            </a:r>
-            <a:r>
-              <a:rPr lang="en-US" dirty="0">
-                <a:hlinkClick r:id="rId3"/>
-              </a:rPr>
-              <a:t>https://arxiv.org/abs/1409.3215</a:t>
-            </a:r>
-            <a:r>
-              <a:rPr lang="en-US" dirty="0"/>
-              <a:t>. (Accessed Sept 16, 2024).</a:t>
-            </a:r>
-          </a:p>
-        </p:txBody>
-      </p:sp>
+              <a:t>Train and Test Encoder</a:t>
+            </a:r>
+          </a:p>
+        </p:txBody>
+      </p:sp>
+      <p:pic>
+        <p:nvPicPr>
+          <p:cNvPr id="3" name="Content Placeholder 4" descr="A diagram of a computer component&#10;&#10;Description automatically generated">
+            <a:extLst>
+              <a:ext uri="{FF2B5EF4-FFF2-40B4-BE49-F238E27FC236}">
+                <a16:creationId xmlns:a16="http://schemas.microsoft.com/office/drawing/2014/main" id="{06FA53B2-841E-7ACE-2EDB-9552DC1C35C2}"/>
+              </a:ext>
+            </a:extLst>
+          </p:cNvPr>
+          <p:cNvPicPr>
+            <a:picLocks noGrp="1" noChangeAspect="1"/>
+          </p:cNvPicPr>
+          <p:nvPr>
+            <p:ph idx="1"/>
+          </p:nvPr>
+        </p:nvPicPr>
+        <p:blipFill rotWithShape="1">
+          <a:blip r:embed="rId2"/>
+          <a:srcRect l="17339" t="4582" r="20117" b="8354"/>
+          <a:stretch/>
+        </p:blipFill>
+        <p:spPr>
+          <a:xfrm>
+            <a:off x="4176165" y="1690688"/>
+            <a:ext cx="3839669" cy="5037162"/>
+          </a:xfrm>
+          <a:prstGeom prst="rect">
+            <a:avLst/>
+          </a:prstGeom>
+        </p:spPr>
+      </p:pic>
     </p:spTree>
     <p:extLst>
       <p:ext uri="{BB962C8B-B14F-4D97-AF65-F5344CB8AC3E}">
-        <p14:creationId xmlns:p14="http://schemas.microsoft.com/office/powerpoint/2010/main" val="1052201529"/>
+        <p14:creationId xmlns:p14="http://schemas.microsoft.com/office/powerpoint/2010/main" val="481267087"/>
       </p:ext>
     </p:extLst>
   </p:cSld>
@@ -7583,7 +8052,143 @@
           <p:cNvPr id="2" name="Title 1">
             <a:extLst>
               <a:ext uri="{FF2B5EF4-FFF2-40B4-BE49-F238E27FC236}">
-                <a16:creationId xmlns:a16="http://schemas.microsoft.com/office/drawing/2014/main" id="{E0D5A2A5-5BB1-BEC8-FDC0-E4FE269B9725}"/>
+                <a16:creationId xmlns:a16="http://schemas.microsoft.com/office/drawing/2014/main" id="{81918B4F-0000-E599-D299-0E1B807B6F2D}"/>
+              </a:ext>
+            </a:extLst>
+          </p:cNvPr>
+          <p:cNvSpPr>
+            <a:spLocks noGrp="1"/>
+          </p:cNvSpPr>
+          <p:nvPr>
+            <p:ph type="title"/>
+          </p:nvPr>
+        </p:nvSpPr>
+        <p:spPr>
+          <a:xfrm>
+            <a:off x="838200" y="365125"/>
+            <a:ext cx="10515600" cy="1325563"/>
+          </a:xfrm>
+        </p:spPr>
+        <p:txBody>
+          <a:bodyPr>
+            <a:noAutofit/>
+          </a:bodyPr>
+          <a:lstStyle/>
+          <a:p>
+            <a:r>
+              <a:rPr lang="en-US" dirty="0"/>
+              <a:t>Decoder Training Phase: Teacher Forcing Example</a:t>
+            </a:r>
+          </a:p>
+        </p:txBody>
+      </p:sp>
+      <p:sp>
+        <p:nvSpPr>
+          <p:cNvPr id="9" name="Content Placeholder 8">
+            <a:extLst>
+              <a:ext uri="{FF2B5EF4-FFF2-40B4-BE49-F238E27FC236}">
+                <a16:creationId xmlns:a16="http://schemas.microsoft.com/office/drawing/2014/main" id="{94542C8C-7747-C304-2E08-96935CC0DF0B}"/>
+              </a:ext>
+            </a:extLst>
+          </p:cNvPr>
+          <p:cNvSpPr>
+            <a:spLocks noGrp="1"/>
+          </p:cNvSpPr>
+          <p:nvPr>
+            <p:ph idx="1"/>
+          </p:nvPr>
+        </p:nvSpPr>
+        <p:spPr>
+          <a:xfrm>
+            <a:off x="838200" y="1825625"/>
+            <a:ext cx="10515600" cy="4351338"/>
+          </a:xfrm>
+        </p:spPr>
+        <p:txBody>
+          <a:bodyPr>
+            <a:normAutofit/>
+          </a:bodyPr>
+          <a:lstStyle/>
+          <a:p>
+            <a:r>
+              <a:rPr lang="en-US" dirty="0"/>
+              <a:t>Some training needs a forced correct translation</a:t>
+            </a:r>
+          </a:p>
+          <a:p>
+            <a:pPr lvl="1"/>
+            <a:r>
+              <a:rPr lang="en-US" dirty="0"/>
+              <a:t>“Teacher Forcing” feeds  true output/token (not predicted output/tokens) from the previous time-step as input to the current time-step.</a:t>
+            </a:r>
+          </a:p>
+        </p:txBody>
+      </p:sp>
+      <p:pic>
+        <p:nvPicPr>
+          <p:cNvPr id="5" name="Content Placeholder 4" descr="A diagram of a computer program&#10;&#10;Description automatically generated">
+            <a:extLst>
+              <a:ext uri="{FF2B5EF4-FFF2-40B4-BE49-F238E27FC236}">
+                <a16:creationId xmlns:a16="http://schemas.microsoft.com/office/drawing/2014/main" id="{D4FE76B8-7510-FB2D-2FEC-CDA5F8680DF1}"/>
+              </a:ext>
+            </a:extLst>
+          </p:cNvPr>
+          <p:cNvPicPr>
+            <a:picLocks noChangeAspect="1"/>
+          </p:cNvPicPr>
+          <p:nvPr/>
+        </p:nvPicPr>
+        <p:blipFill rotWithShape="1">
+          <a:blip r:embed="rId2"/>
+          <a:srcRect l="8456" t="9019" r="5697" b="5735"/>
+          <a:stretch/>
+        </p:blipFill>
+        <p:spPr>
+          <a:xfrm>
+            <a:off x="3029620" y="3067050"/>
+            <a:ext cx="6132760" cy="3790950"/>
+          </a:xfrm>
+          <a:prstGeom prst="rect">
+            <a:avLst/>
+          </a:prstGeom>
+        </p:spPr>
+      </p:pic>
+    </p:spTree>
+    <p:extLst>
+      <p:ext uri="{BB962C8B-B14F-4D97-AF65-F5344CB8AC3E}">
+        <p14:creationId xmlns:p14="http://schemas.microsoft.com/office/powerpoint/2010/main" val="2620350912"/>
+      </p:ext>
+    </p:extLst>
+  </p:cSld>
+  <p:clrMapOvr>
+    <a:masterClrMapping/>
+  </p:clrMapOvr>
+</p:sld>
+</file>
+
+<file path=ppt/slides/slide24.xml><?xml version="1.0" encoding="utf-8"?>
+<p:sld xmlns:a="http://schemas.openxmlformats.org/drawingml/2006/main" xmlns:r="http://schemas.openxmlformats.org/officeDocument/2006/relationships" xmlns:p="http://schemas.openxmlformats.org/presentationml/2006/main">
+  <p:cSld>
+    <p:spTree>
+      <p:nvGrpSpPr>
+        <p:cNvPr id="1" name=""/>
+        <p:cNvGrpSpPr/>
+        <p:nvPr/>
+      </p:nvGrpSpPr>
+      <p:grpSpPr>
+        <a:xfrm>
+          <a:off x="0" y="0"/>
+          <a:ext cx="0" cy="0"/>
+          <a:chOff x="0" y="0"/>
+          <a:chExt cx="0" cy="0"/>
+        </a:xfrm>
+      </p:grpSpPr>
+      <p:sp>
+        <p:nvSpPr>
+          <p:cNvPr id="2" name="Title 1">
+            <a:extLst>
+              <a:ext uri="{FF2B5EF4-FFF2-40B4-BE49-F238E27FC236}">
+                <a16:creationId xmlns:a16="http://schemas.microsoft.com/office/drawing/2014/main" id="{C5A0E8A6-D34A-8386-CC3E-569B45DB1F38}"/>
               </a:ext>
             </a:extLst>
           </p:cNvPr>
@@ -7601,7 +8206,7 @@
           <a:p>
             <a:r>
               <a:rPr lang="en-US" dirty="0"/>
-              <a:t>References</a:t>
+              <a:t>Calculate Loss</a:t>
             </a:r>
           </a:p>
         </p:txBody>
@@ -7611,7 +8216,7 @@
           <p:cNvPr id="3" name="Content Placeholder 2">
             <a:extLst>
               <a:ext uri="{FF2B5EF4-FFF2-40B4-BE49-F238E27FC236}">
-                <a16:creationId xmlns:a16="http://schemas.microsoft.com/office/drawing/2014/main" id="{9CE48323-D760-E16C-CA89-B7568448CA4A}"/>
+                <a16:creationId xmlns:a16="http://schemas.microsoft.com/office/drawing/2014/main" id="{0ACE416D-F8DE-13E3-5552-546D50F35383}"/>
               </a:ext>
             </a:extLst>
           </p:cNvPr>
@@ -7624,22 +8229,778 @@
         </p:nvSpPr>
         <p:spPr/>
         <p:txBody>
+          <a:bodyPr/>
+          <a:lstStyle/>
+          <a:p>
+            <a:pPr algn="l"/>
+            <a:r>
+              <a:rPr lang="en-US" b="0" i="0" dirty="0">
+                <a:solidFill>
+                  <a:srgbClr val="242424"/>
+                </a:solidFill>
+                <a:effectLst/>
+                <a:latin typeface="source-serif-pro"/>
+              </a:rPr>
+              <a:t>Calculated for predicted outputs for each time-step </a:t>
+            </a:r>
+          </a:p>
+          <a:p>
+            <a:pPr algn="l"/>
+            <a:r>
+              <a:rPr lang="en-US" b="0" i="0" dirty="0">
+                <a:solidFill>
+                  <a:srgbClr val="242424"/>
+                </a:solidFill>
+                <a:effectLst/>
+                <a:latin typeface="source-serif-pro"/>
+              </a:rPr>
+              <a:t>Errors are backpropagated through time to update </a:t>
+            </a:r>
+            <a:r>
+              <a:rPr lang="en-US" dirty="0">
+                <a:solidFill>
+                  <a:srgbClr val="242424"/>
+                </a:solidFill>
+                <a:latin typeface="source-serif-pro"/>
+              </a:rPr>
+              <a:t>model</a:t>
+            </a:r>
+            <a:r>
+              <a:rPr lang="en-US" b="0" i="0" dirty="0">
+                <a:solidFill>
+                  <a:srgbClr val="242424"/>
+                </a:solidFill>
+                <a:effectLst/>
+                <a:latin typeface="source-serif-pro"/>
+              </a:rPr>
+              <a:t> parameters</a:t>
+            </a:r>
+          </a:p>
+          <a:p>
+            <a:pPr algn="l"/>
+            <a:r>
+              <a:rPr lang="en-US" b="0" i="0" dirty="0">
+                <a:solidFill>
+                  <a:srgbClr val="242424"/>
+                </a:solidFill>
+                <a:effectLst/>
+                <a:latin typeface="source-serif-pro"/>
+              </a:rPr>
+              <a:t>Loss function used is the categorical cross-entropy loss function between the target-sequence/</a:t>
+            </a:r>
+            <a:r>
+              <a:rPr lang="en-US" b="1" i="0" dirty="0" err="1">
+                <a:solidFill>
+                  <a:srgbClr val="242424"/>
+                </a:solidFill>
+                <a:effectLst/>
+                <a:latin typeface="source-serif-pro"/>
+              </a:rPr>
+              <a:t>Y_true</a:t>
+            </a:r>
+            <a:r>
+              <a:rPr lang="en-US" b="1" i="0" dirty="0">
+                <a:solidFill>
+                  <a:srgbClr val="242424"/>
+                </a:solidFill>
+                <a:effectLst/>
+                <a:latin typeface="source-serif-pro"/>
+              </a:rPr>
+              <a:t> </a:t>
+            </a:r>
+            <a:r>
+              <a:rPr lang="en-US" b="0" i="0" dirty="0">
+                <a:solidFill>
+                  <a:srgbClr val="242424"/>
+                </a:solidFill>
+                <a:effectLst/>
+                <a:latin typeface="source-serif-pro"/>
+              </a:rPr>
+              <a:t>and the predicted-sequence/</a:t>
+            </a:r>
+            <a:r>
+              <a:rPr lang="en-US" b="1" i="0" dirty="0" err="1">
+                <a:solidFill>
+                  <a:srgbClr val="242424"/>
+                </a:solidFill>
+                <a:effectLst/>
+                <a:latin typeface="source-serif-pro"/>
+              </a:rPr>
+              <a:t>Y_pred</a:t>
+            </a:r>
+            <a:r>
+              <a:rPr lang="en-US" b="1" i="0" dirty="0">
+                <a:solidFill>
+                  <a:srgbClr val="242424"/>
+                </a:solidFill>
+                <a:effectLst/>
+                <a:latin typeface="source-serif-pro"/>
+              </a:rPr>
+              <a:t> </a:t>
+            </a:r>
+            <a:r>
+              <a:rPr lang="en-US" b="0" i="0" dirty="0">
+                <a:solidFill>
+                  <a:srgbClr val="242424"/>
+                </a:solidFill>
+                <a:effectLst/>
+                <a:latin typeface="source-serif-pro"/>
+              </a:rPr>
+              <a:t>such that</a:t>
+            </a:r>
+          </a:p>
+          <a:p>
+            <a:pPr lvl="1"/>
+            <a:r>
+              <a:rPr lang="en-US" b="0" i="0" dirty="0" err="1">
+                <a:solidFill>
+                  <a:srgbClr val="242424"/>
+                </a:solidFill>
+                <a:effectLst/>
+                <a:latin typeface="source-serif-pro"/>
+              </a:rPr>
+              <a:t>Y_true</a:t>
+            </a:r>
+            <a:r>
+              <a:rPr lang="en-US" b="0" i="0" dirty="0">
+                <a:solidFill>
+                  <a:srgbClr val="242424"/>
+                </a:solidFill>
+                <a:effectLst/>
+                <a:latin typeface="source-serif-pro"/>
+              </a:rPr>
+              <a:t> = [y0_true, y1_true, y2_true, y3_true, y4_true, y5_true]</a:t>
+            </a:r>
+          </a:p>
+          <a:p>
+            <a:pPr lvl="1"/>
+            <a:r>
+              <a:rPr lang="en-US" b="0" i="0" dirty="0" err="1">
+                <a:solidFill>
+                  <a:srgbClr val="242424"/>
+                </a:solidFill>
+                <a:effectLst/>
+                <a:latin typeface="source-serif-pro"/>
+              </a:rPr>
+              <a:t>Y_pred</a:t>
+            </a:r>
+            <a:r>
+              <a:rPr lang="en-US" b="0" i="0" dirty="0">
+                <a:solidFill>
+                  <a:srgbClr val="242424"/>
+                </a:solidFill>
+                <a:effectLst/>
+                <a:latin typeface="source-serif-pro"/>
+              </a:rPr>
+              <a:t> = [‘&lt;START&gt;’, y1_pred, y2_pred, y3_pred, y4_pred, y5_pred]</a:t>
+            </a:r>
+          </a:p>
+        </p:txBody>
+      </p:sp>
+    </p:spTree>
+    <p:extLst>
+      <p:ext uri="{BB962C8B-B14F-4D97-AF65-F5344CB8AC3E}">
+        <p14:creationId xmlns:p14="http://schemas.microsoft.com/office/powerpoint/2010/main" val="2261502492"/>
+      </p:ext>
+    </p:extLst>
+  </p:cSld>
+  <p:clrMapOvr>
+    <a:masterClrMapping/>
+  </p:clrMapOvr>
+</p:sld>
+</file>
+
+<file path=ppt/slides/slide25.xml><?xml version="1.0" encoding="utf-8"?>
+<p:sld xmlns:a="http://schemas.openxmlformats.org/drawingml/2006/main" xmlns:r="http://schemas.openxmlformats.org/officeDocument/2006/relationships" xmlns:p="http://schemas.openxmlformats.org/presentationml/2006/main">
+  <p:cSld>
+    <p:spTree>
+      <p:nvGrpSpPr>
+        <p:cNvPr id="1" name=""/>
+        <p:cNvGrpSpPr/>
+        <p:nvPr/>
+      </p:nvGrpSpPr>
+      <p:grpSpPr>
+        <a:xfrm>
+          <a:off x="0" y="0"/>
+          <a:ext cx="0" cy="0"/>
+          <a:chOff x="0" y="0"/>
+          <a:chExt cx="0" cy="0"/>
+        </a:xfrm>
+      </p:grpSpPr>
+      <p:sp>
+        <p:nvSpPr>
+          <p:cNvPr id="2" name="Title 1">
+            <a:extLst>
+              <a:ext uri="{FF2B5EF4-FFF2-40B4-BE49-F238E27FC236}">
+                <a16:creationId xmlns:a16="http://schemas.microsoft.com/office/drawing/2014/main" id="{D172E573-9472-D5C1-DC9B-7D51FB1E27CA}"/>
+              </a:ext>
+            </a:extLst>
+          </p:cNvPr>
+          <p:cNvSpPr>
+            <a:spLocks noGrp="1"/>
+          </p:cNvSpPr>
+          <p:nvPr>
+            <p:ph type="title"/>
+          </p:nvPr>
+        </p:nvSpPr>
+        <p:spPr/>
+        <p:txBody>
+          <a:bodyPr/>
+          <a:lstStyle/>
+          <a:p>
+            <a:r>
+              <a:rPr lang="en-US" dirty="0"/>
+              <a:t>Decoder in test phase</a:t>
+            </a:r>
+          </a:p>
+        </p:txBody>
+      </p:sp>
+      <p:sp>
+        <p:nvSpPr>
+          <p:cNvPr id="3" name="Content Placeholder 2">
+            <a:extLst>
+              <a:ext uri="{FF2B5EF4-FFF2-40B4-BE49-F238E27FC236}">
+                <a16:creationId xmlns:a16="http://schemas.microsoft.com/office/drawing/2014/main" id="{41D282DF-B7B6-ABE4-3DA2-52FB807EA59F}"/>
+              </a:ext>
+            </a:extLst>
+          </p:cNvPr>
+          <p:cNvSpPr>
+            <a:spLocks noGrp="1"/>
+          </p:cNvSpPr>
+          <p:nvPr>
+            <p:ph idx="1"/>
+          </p:nvPr>
+        </p:nvSpPr>
+        <p:spPr/>
+        <p:txBody>
+          <a:bodyPr/>
+          <a:lstStyle/>
+          <a:p>
+            <a:r>
+              <a:rPr lang="en-US" b="0" i="0" dirty="0">
+                <a:solidFill>
+                  <a:srgbClr val="242424"/>
+                </a:solidFill>
+                <a:effectLst/>
+                <a:latin typeface="source-serif-pro"/>
+              </a:rPr>
+              <a:t>Real-world applications won't have </a:t>
+            </a:r>
+            <a:r>
+              <a:rPr lang="en-US" b="0" i="0" dirty="0" err="1">
+                <a:solidFill>
+                  <a:srgbClr val="242424"/>
+                </a:solidFill>
+                <a:effectLst/>
+                <a:latin typeface="source-serif-pro"/>
+              </a:rPr>
+              <a:t>Y_true</a:t>
+            </a:r>
+            <a:r>
+              <a:rPr lang="en-US" dirty="0">
+                <a:solidFill>
+                  <a:srgbClr val="242424"/>
+                </a:solidFill>
+                <a:latin typeface="source-serif-pro"/>
+              </a:rPr>
+              <a:t>,</a:t>
+            </a:r>
+            <a:r>
+              <a:rPr lang="en-US" b="0" i="0" dirty="0">
+                <a:solidFill>
+                  <a:srgbClr val="242424"/>
+                </a:solidFill>
+                <a:effectLst/>
+                <a:latin typeface="source-serif-pro"/>
+              </a:rPr>
+              <a:t> only X.</a:t>
+            </a:r>
+          </a:p>
+          <a:p>
+            <a:r>
+              <a:rPr lang="en-US" b="0" i="0" dirty="0">
+                <a:solidFill>
+                  <a:srgbClr val="242424"/>
+                </a:solidFill>
+                <a:effectLst/>
+                <a:latin typeface="source-serif-pro"/>
+              </a:rPr>
+              <a:t>When testing our model, the predicted output (not true output) from previous time-step is fed as input to the current time-step.</a:t>
+            </a:r>
+          </a:p>
+          <a:p>
+            <a:r>
+              <a:rPr lang="en-US" b="0" i="0" dirty="0">
+                <a:solidFill>
+                  <a:srgbClr val="242424"/>
+                </a:solidFill>
+                <a:effectLst/>
+                <a:latin typeface="source-serif-pro"/>
+              </a:rPr>
+              <a:t>Rest is the same as training phase.</a:t>
+            </a:r>
+            <a:endParaRPr lang="en-US" dirty="0"/>
+          </a:p>
+        </p:txBody>
+      </p:sp>
+    </p:spTree>
+    <p:extLst>
+      <p:ext uri="{BB962C8B-B14F-4D97-AF65-F5344CB8AC3E}">
+        <p14:creationId xmlns:p14="http://schemas.microsoft.com/office/powerpoint/2010/main" val="3256333447"/>
+      </p:ext>
+    </p:extLst>
+  </p:cSld>
+  <p:clrMapOvr>
+    <a:masterClrMapping/>
+  </p:clrMapOvr>
+</p:sld>
+</file>
+
+<file path=ppt/slides/slide26.xml><?xml version="1.0" encoding="utf-8"?>
+<p:sld xmlns:a="http://schemas.openxmlformats.org/drawingml/2006/main" xmlns:r="http://schemas.openxmlformats.org/officeDocument/2006/relationships" xmlns:p="http://schemas.openxmlformats.org/presentationml/2006/main">
+  <p:cSld>
+    <p:spTree>
+      <p:nvGrpSpPr>
+        <p:cNvPr id="1" name=""/>
+        <p:cNvGrpSpPr/>
+        <p:nvPr/>
+      </p:nvGrpSpPr>
+      <p:grpSpPr>
+        <a:xfrm>
+          <a:off x="0" y="0"/>
+          <a:ext cx="0" cy="0"/>
+          <a:chOff x="0" y="0"/>
+          <a:chExt cx="0" cy="0"/>
+        </a:xfrm>
+      </p:grpSpPr>
+      <p:sp>
+        <p:nvSpPr>
+          <p:cNvPr id="2" name="Title 1">
+            <a:extLst>
+              <a:ext uri="{FF2B5EF4-FFF2-40B4-BE49-F238E27FC236}">
+                <a16:creationId xmlns:a16="http://schemas.microsoft.com/office/drawing/2014/main" id="{43140D36-69BA-E9DA-683C-40725189FEA0}"/>
+              </a:ext>
+            </a:extLst>
+          </p:cNvPr>
+          <p:cNvSpPr>
+            <a:spLocks noGrp="1"/>
+          </p:cNvSpPr>
+          <p:nvPr>
+            <p:ph type="title"/>
+          </p:nvPr>
+        </p:nvSpPr>
+        <p:spPr>
+          <a:xfrm>
+            <a:off x="1451580" y="804520"/>
+            <a:ext cx="4176511" cy="1049235"/>
+          </a:xfrm>
+        </p:spPr>
+        <p:txBody>
           <a:bodyPr>
-            <a:normAutofit fontScale="92500" lnSpcReduction="20000"/>
+            <a:normAutofit/>
           </a:bodyPr>
           <a:lstStyle/>
           <a:p>
             <a:r>
               <a:rPr lang="en-US" dirty="0"/>
-              <a:t>[7] R. </a:t>
+              <a:t>Testing</a:t>
+            </a:r>
+          </a:p>
+        </p:txBody>
+      </p:sp>
+      <p:sp>
+        <p:nvSpPr>
+          <p:cNvPr id="63" name="Content Placeholder 62">
+            <a:extLst>
+              <a:ext uri="{FF2B5EF4-FFF2-40B4-BE49-F238E27FC236}">
+                <a16:creationId xmlns:a16="http://schemas.microsoft.com/office/drawing/2014/main" id="{4C82C341-78B7-974D-551E-65359B6B48B9}"/>
+              </a:ext>
+            </a:extLst>
+          </p:cNvPr>
+          <p:cNvSpPr>
+            <a:spLocks noGrp="1"/>
+          </p:cNvSpPr>
+          <p:nvPr>
+            <p:ph idx="1"/>
+          </p:nvPr>
+        </p:nvSpPr>
+        <p:spPr>
+          <a:xfrm>
+            <a:off x="1451581" y="2015732"/>
+            <a:ext cx="4172212" cy="3450613"/>
+          </a:xfrm>
+        </p:spPr>
+        <p:txBody>
+          <a:bodyPr>
+            <a:normAutofit fontScale="77500" lnSpcReduction="20000"/>
+          </a:bodyPr>
+          <a:lstStyle/>
+          <a:p>
+            <a:r>
+              <a:rPr lang="en-US" b="0" i="0" dirty="0">
+                <a:solidFill>
+                  <a:srgbClr val="242424"/>
+                </a:solidFill>
+                <a:effectLst/>
+                <a:latin typeface="source-serif-pro"/>
+              </a:rPr>
+              <a:t>So according to our trained model, the predicted-sequence at test time is “</a:t>
+            </a:r>
+            <a:r>
+              <a:rPr lang="en-US" b="0" i="0" dirty="0" err="1">
+                <a:solidFill>
+                  <a:srgbClr val="242424"/>
+                </a:solidFill>
+                <a:effectLst/>
+                <a:latin typeface="source-serif-pro"/>
+              </a:rPr>
+              <a:t>こんちちは</a:t>
+            </a:r>
+            <a:r>
+              <a:rPr lang="en-US" b="0" i="0" dirty="0">
+                <a:solidFill>
+                  <a:srgbClr val="242424"/>
+                </a:solidFill>
+                <a:effectLst/>
+                <a:latin typeface="source-serif-pro"/>
+              </a:rPr>
+              <a:t>”. Hence though the model was incorrect on the 3rd prediction, we still fed it as input to the next time-step. The correctness of the model depends on the amount of data available and how well it has been trained. The model may predict a wrong output but nevertheless, the same output is only fed to the next time-step in the test phase.</a:t>
+            </a:r>
+            <a:endParaRPr lang="en-US" dirty="0"/>
+          </a:p>
+        </p:txBody>
+      </p:sp>
+      <p:pic>
+        <p:nvPicPr>
+          <p:cNvPr id="11" name="Content Placeholder 10" descr="A diagram of a computer program&#10;&#10;Description automatically generated">
+            <a:extLst>
+              <a:ext uri="{FF2B5EF4-FFF2-40B4-BE49-F238E27FC236}">
+                <a16:creationId xmlns:a16="http://schemas.microsoft.com/office/drawing/2014/main" id="{DD82A20B-1946-B7F2-91B2-5BCB7BE6A616}"/>
+              </a:ext>
+            </a:extLst>
+          </p:cNvPr>
+          <p:cNvPicPr>
+            <a:picLocks noChangeAspect="1"/>
+          </p:cNvPicPr>
+          <p:nvPr/>
+        </p:nvPicPr>
+        <p:blipFill>
+          <a:blip r:embed="rId2"/>
+          <a:stretch>
+            <a:fillRect/>
+          </a:stretch>
+        </p:blipFill>
+        <p:spPr>
+          <a:xfrm>
+            <a:off x="5623793" y="1505741"/>
+            <a:ext cx="6365796" cy="4105938"/>
+          </a:xfrm>
+          <a:prstGeom prst="rect">
+            <a:avLst/>
+          </a:prstGeom>
+        </p:spPr>
+      </p:pic>
+    </p:spTree>
+    <p:extLst>
+      <p:ext uri="{BB962C8B-B14F-4D97-AF65-F5344CB8AC3E}">
+        <p14:creationId xmlns:p14="http://schemas.microsoft.com/office/powerpoint/2010/main" val="164975018"/>
+      </p:ext>
+    </p:extLst>
+  </p:cSld>
+  <p:clrMapOvr>
+    <a:masterClrMapping/>
+  </p:clrMapOvr>
+</p:sld>
+</file>
+
+<file path=ppt/slides/slide27.xml><?xml version="1.0" encoding="utf-8"?>
+<p:sld xmlns:a="http://schemas.openxmlformats.org/drawingml/2006/main" xmlns:r="http://schemas.openxmlformats.org/officeDocument/2006/relationships" xmlns:p="http://schemas.openxmlformats.org/presentationml/2006/main">
+  <p:cSld>
+    <p:spTree>
+      <p:nvGrpSpPr>
+        <p:cNvPr id="1" name=""/>
+        <p:cNvGrpSpPr/>
+        <p:nvPr/>
+      </p:nvGrpSpPr>
+      <p:grpSpPr>
+        <a:xfrm>
+          <a:off x="0" y="0"/>
+          <a:ext cx="0" cy="0"/>
+          <a:chOff x="0" y="0"/>
+          <a:chExt cx="0" cy="0"/>
+        </a:xfrm>
+      </p:grpSpPr>
+      <p:sp>
+        <p:nvSpPr>
+          <p:cNvPr id="2" name="Title 1">
+            <a:extLst>
+              <a:ext uri="{FF2B5EF4-FFF2-40B4-BE49-F238E27FC236}">
+                <a16:creationId xmlns:a16="http://schemas.microsoft.com/office/drawing/2014/main" id="{B602645F-0772-F704-0B64-3D5D88B1EEFD}"/>
+              </a:ext>
+            </a:extLst>
+          </p:cNvPr>
+          <p:cNvSpPr>
+            <a:spLocks noGrp="1"/>
+          </p:cNvSpPr>
+          <p:nvPr>
+            <p:ph type="title"/>
+          </p:nvPr>
+        </p:nvSpPr>
+        <p:spPr/>
+        <p:txBody>
+          <a:bodyPr>
+            <a:normAutofit/>
+          </a:bodyPr>
+          <a:lstStyle/>
+          <a:p>
+            <a:r>
+              <a:rPr lang="en-US" altLang="en-US" dirty="0"/>
+              <a:t>Limitations of traditional seq2seq models</a:t>
+            </a:r>
+            <a:endParaRPr lang="en-US" dirty="0"/>
+          </a:p>
+        </p:txBody>
+      </p:sp>
+      <p:sp>
+        <p:nvSpPr>
+          <p:cNvPr id="3" name="Content Placeholder 2">
+            <a:extLst>
+              <a:ext uri="{FF2B5EF4-FFF2-40B4-BE49-F238E27FC236}">
+                <a16:creationId xmlns:a16="http://schemas.microsoft.com/office/drawing/2014/main" id="{E63942CF-8691-BB4E-7869-595B48CE9B3B}"/>
+              </a:ext>
+            </a:extLst>
+          </p:cNvPr>
+          <p:cNvSpPr>
+            <a:spLocks noGrp="1"/>
+          </p:cNvSpPr>
+          <p:nvPr>
+            <p:ph idx="1"/>
+          </p:nvPr>
+        </p:nvSpPr>
+        <p:spPr/>
+        <p:txBody>
+          <a:bodyPr/>
+          <a:lstStyle/>
+          <a:p>
+            <a:r>
+              <a:rPr lang="en-US" altLang="en-US" dirty="0"/>
+              <a:t>Need for better context alignment</a:t>
+            </a:r>
+          </a:p>
+          <a:p>
+            <a:endParaRPr lang="en-US" dirty="0"/>
+          </a:p>
+          <a:p>
+            <a:r>
+              <a:rPr lang="en-US" dirty="0"/>
+              <a:t>Proposed future steps</a:t>
+            </a:r>
+          </a:p>
+          <a:p>
+            <a:pPr lvl="1"/>
+            <a:r>
+              <a:rPr lang="en-US" dirty="0"/>
+              <a:t>Foundation Models</a:t>
+            </a:r>
+          </a:p>
+          <a:p>
+            <a:pPr lvl="1"/>
+            <a:r>
+              <a:rPr lang="en-US" dirty="0"/>
+              <a:t>Attention</a:t>
+            </a:r>
+          </a:p>
+          <a:p>
+            <a:pPr lvl="1"/>
+            <a:r>
+              <a:rPr lang="en-US" dirty="0"/>
+              <a:t>Large Language Models</a:t>
+            </a:r>
+          </a:p>
+          <a:p>
+            <a:pPr lvl="1"/>
+            <a:r>
+              <a:rPr lang="en-US" dirty="0"/>
+              <a:t>Transformers</a:t>
+            </a:r>
+          </a:p>
+        </p:txBody>
+      </p:sp>
+    </p:spTree>
+    <p:extLst>
+      <p:ext uri="{BB962C8B-B14F-4D97-AF65-F5344CB8AC3E}">
+        <p14:creationId xmlns:p14="http://schemas.microsoft.com/office/powerpoint/2010/main" val="2400340193"/>
+      </p:ext>
+    </p:extLst>
+  </p:cSld>
+  <p:clrMapOvr>
+    <a:masterClrMapping/>
+  </p:clrMapOvr>
+</p:sld>
+</file>
+
+<file path=ppt/slides/slide28.xml><?xml version="1.0" encoding="utf-8"?>
+<p:sld xmlns:a="http://schemas.openxmlformats.org/drawingml/2006/main" xmlns:r="http://schemas.openxmlformats.org/officeDocument/2006/relationships" xmlns:p="http://schemas.openxmlformats.org/presentationml/2006/main">
+  <p:cSld>
+    <p:spTree>
+      <p:nvGrpSpPr>
+        <p:cNvPr id="1" name=""/>
+        <p:cNvGrpSpPr/>
+        <p:nvPr/>
+      </p:nvGrpSpPr>
+      <p:grpSpPr>
+        <a:xfrm>
+          <a:off x="0" y="0"/>
+          <a:ext cx="0" cy="0"/>
+          <a:chOff x="0" y="0"/>
+          <a:chExt cx="0" cy="0"/>
+        </a:xfrm>
+      </p:grpSpPr>
+      <p:sp>
+        <p:nvSpPr>
+          <p:cNvPr id="4" name="Title 3">
+            <a:extLst>
+              <a:ext uri="{FF2B5EF4-FFF2-40B4-BE49-F238E27FC236}">
+                <a16:creationId xmlns:a16="http://schemas.microsoft.com/office/drawing/2014/main" id="{4491A7A3-BD45-5CF2-0B00-02844E55EC71}"/>
+              </a:ext>
+            </a:extLst>
+          </p:cNvPr>
+          <p:cNvSpPr>
+            <a:spLocks noGrp="1"/>
+          </p:cNvSpPr>
+          <p:nvPr>
+            <p:ph type="ctrTitle"/>
+          </p:nvPr>
+        </p:nvSpPr>
+        <p:spPr/>
+        <p:txBody>
+          <a:bodyPr/>
+          <a:lstStyle/>
+          <a:p>
+            <a:r>
+              <a:rPr lang="en-US"/>
+              <a:t>Demo</a:t>
+            </a:r>
+          </a:p>
+        </p:txBody>
+      </p:sp>
+      <p:sp>
+        <p:nvSpPr>
+          <p:cNvPr id="5" name="Subtitle 4">
+            <a:extLst>
+              <a:ext uri="{FF2B5EF4-FFF2-40B4-BE49-F238E27FC236}">
+                <a16:creationId xmlns:a16="http://schemas.microsoft.com/office/drawing/2014/main" id="{394CF8A2-48DC-C6CA-E262-9F38EDD9CCC1}"/>
+              </a:ext>
+            </a:extLst>
+          </p:cNvPr>
+          <p:cNvSpPr>
+            <a:spLocks noGrp="1"/>
+          </p:cNvSpPr>
+          <p:nvPr>
+            <p:ph type="subTitle" idx="1"/>
+          </p:nvPr>
+        </p:nvSpPr>
+        <p:spPr/>
+        <p:txBody>
+          <a:bodyPr/>
+          <a:lstStyle/>
+          <a:p>
+            <a:endParaRPr lang="en-US"/>
+          </a:p>
+        </p:txBody>
+      </p:sp>
+    </p:spTree>
+    <p:extLst>
+      <p:ext uri="{BB962C8B-B14F-4D97-AF65-F5344CB8AC3E}">
+        <p14:creationId xmlns:p14="http://schemas.microsoft.com/office/powerpoint/2010/main" val="2153783163"/>
+      </p:ext>
+    </p:extLst>
+  </p:cSld>
+  <p:clrMapOvr>
+    <a:masterClrMapping/>
+  </p:clrMapOvr>
+</p:sld>
+</file>
+
+<file path=ppt/slides/slide29.xml><?xml version="1.0" encoding="utf-8"?>
+<p:sld xmlns:a="http://schemas.openxmlformats.org/drawingml/2006/main" xmlns:r="http://schemas.openxmlformats.org/officeDocument/2006/relationships" xmlns:p="http://schemas.openxmlformats.org/presentationml/2006/main">
+  <p:cSld>
+    <p:spTree>
+      <p:nvGrpSpPr>
+        <p:cNvPr id="1" name=""/>
+        <p:cNvGrpSpPr/>
+        <p:nvPr/>
+      </p:nvGrpSpPr>
+      <p:grpSpPr>
+        <a:xfrm>
+          <a:off x="0" y="0"/>
+          <a:ext cx="0" cy="0"/>
+          <a:chOff x="0" y="0"/>
+          <a:chExt cx="0" cy="0"/>
+        </a:xfrm>
+      </p:grpSpPr>
+      <p:sp>
+        <p:nvSpPr>
+          <p:cNvPr id="2" name="Title 1">
+            <a:extLst>
+              <a:ext uri="{FF2B5EF4-FFF2-40B4-BE49-F238E27FC236}">
+                <a16:creationId xmlns:a16="http://schemas.microsoft.com/office/drawing/2014/main" id="{E0D5A2A5-5BB1-BEC8-FDC0-E4FE269B9725}"/>
+              </a:ext>
+            </a:extLst>
+          </p:cNvPr>
+          <p:cNvSpPr>
+            <a:spLocks noGrp="1"/>
+          </p:cNvSpPr>
+          <p:nvPr>
+            <p:ph type="title"/>
+          </p:nvPr>
+        </p:nvSpPr>
+        <p:spPr/>
+        <p:txBody>
+          <a:bodyPr/>
+          <a:lstStyle/>
+          <a:p>
+            <a:r>
+              <a:rPr lang="en-US" dirty="0"/>
+              <a:t>References</a:t>
+            </a:r>
+          </a:p>
+        </p:txBody>
+      </p:sp>
+      <p:sp>
+        <p:nvSpPr>
+          <p:cNvPr id="3" name="Content Placeholder 2">
+            <a:extLst>
+              <a:ext uri="{FF2B5EF4-FFF2-40B4-BE49-F238E27FC236}">
+                <a16:creationId xmlns:a16="http://schemas.microsoft.com/office/drawing/2014/main" id="{9CE48323-D760-E16C-CA89-B7568448CA4A}"/>
+              </a:ext>
+            </a:extLst>
+          </p:cNvPr>
+          <p:cNvSpPr>
+            <a:spLocks noGrp="1"/>
+          </p:cNvSpPr>
+          <p:nvPr>
+            <p:ph idx="1"/>
+          </p:nvPr>
+        </p:nvSpPr>
+        <p:spPr/>
+        <p:txBody>
+          <a:bodyPr>
+            <a:normAutofit fontScale="92500" lnSpcReduction="10000"/>
+          </a:bodyPr>
+          <a:lstStyle/>
+          <a:p>
+            <a:r>
+              <a:rPr lang="en-US" dirty="0"/>
+              <a:t>[1] Chollet, F. (2017). The </a:t>
             </a:r>
             <a:r>
               <a:rPr lang="en-US" dirty="0" err="1"/>
-              <a:t>Kompella</a:t>
-            </a:r>
-            <a:r>
-              <a:rPr lang="en-US" dirty="0"/>
-              <a:t>, “Neural Machine Translation — Using seq2seq with </a:t>
+              <a:t>keras</a:t>
+            </a:r>
+            <a:r>
+              <a:rPr lang="en-US" dirty="0"/>
+              <a:t> blog. The </a:t>
             </a:r>
             <a:r>
               <a:rPr lang="en-US" dirty="0" err="1"/>
@@ -7647,23 +9008,23 @@
             </a:r>
             <a:r>
               <a:rPr lang="en-US" dirty="0"/>
-              <a:t>,” Medium, Jul. 19, 2022. [Online]. Available: </a:t>
+              <a:t> Blog ATOM. </a:t>
             </a:r>
             <a:r>
               <a:rPr lang="en-US" dirty="0">
                 <a:hlinkClick r:id="rId2"/>
               </a:rPr>
-              <a:t>https://towardsdatascience.com/neural-machine-translation-using-seq2seq-with-keras-c23540453c74</a:t>
-            </a:r>
-            <a:r>
-              <a:rPr lang="en-US" dirty="0"/>
-              <a:t>. (Accessed Sept 16, 2024).</a:t>
-            </a:r>
-          </a:p>
-          <a:p>
-            <a:r>
-              <a:rPr lang="en-US" dirty="0"/>
-              <a:t>[8] B. F. Chollet, “A ten-minute introduction to sequence-to-sequence learning in </a:t>
+              <a:t>https://blog.keras.io/a-ten-minute-introduction-to-sequence-to-sequence-learning-in-keras.html#:~:text=Sequence%2Dto%2Dsequence%20learning%20(,etait%20assis%20sur%20le%20tapis%22</a:t>
+            </a:r>
+            <a:r>
+              <a:rPr lang="en-US" dirty="0"/>
+              <a:t> (Accessed Sep. 15, 2024).</a:t>
+            </a:r>
+          </a:p>
+          <a:p>
+            <a:r>
+              <a:rPr lang="en-US" dirty="0"/>
+              <a:t>[2] Chollet, F. (2023). “</a:t>
             </a:r>
             <a:r>
               <a:rPr lang="en-US" dirty="0" err="1"/>
@@ -7671,62 +9032,57 @@
             </a:r>
             <a:r>
               <a:rPr lang="en-US" dirty="0"/>
-              <a:t>.” </a:t>
+              <a:t> documentation: Character-level recurrent sequence-to-sequence model,” </a:t>
+            </a:r>
+            <a:r>
+              <a:rPr lang="en-US" dirty="0" err="1"/>
+              <a:t>Keras</a:t>
+            </a:r>
+            <a:r>
+              <a:rPr lang="en-US" dirty="0"/>
+              <a:t>, </a:t>
             </a:r>
             <a:r>
               <a:rPr lang="en-US" dirty="0">
                 <a:hlinkClick r:id="rId3"/>
               </a:rPr>
-              <a:t>https://blog.keras.io/a-ten-minute-introduction-to-sequence-to-sequence-learning-in-keras.html#:~:text=Sequence%2Dto%2Dsequence%20learning%20(,etait%20assis%20sur%20le%20tapis%22</a:t>
-            </a:r>
-            <a:r>
-              <a:rPr lang="en-US" dirty="0"/>
-              <a:t>. (Accessed Sept 16, 2024).</a:t>
-            </a:r>
-          </a:p>
-          <a:p>
-            <a:r>
-              <a:rPr lang="en-US" dirty="0"/>
-              <a:t>[9] S. </a:t>
+              <a:t>https://keras.io/examples/nlp/lstm_seq2seq/</a:t>
+            </a:r>
+            <a:r>
+              <a:rPr lang="en-US" dirty="0"/>
+              <a:t> (Accessed Sep. 15, 2024).</a:t>
+            </a:r>
+          </a:p>
+          <a:p>
+            <a:r>
+              <a:rPr lang="en-US" dirty="0"/>
+              <a:t>[3] </a:t>
             </a:r>
             <a:r>
               <a:rPr lang="en-US" dirty="0" err="1"/>
-              <a:t>Alla</a:t>
-            </a:r>
-            <a:r>
-              <a:rPr lang="en-US" dirty="0"/>
-              <a:t>, “Implementing Seq2Seq models for text summarization with KERAS,” </a:t>
-            </a:r>
-            <a:r>
-              <a:rPr lang="en-US" dirty="0" err="1"/>
-              <a:t>Paperspace</a:t>
-            </a:r>
-            <a:r>
-              <a:rPr lang="en-US" dirty="0"/>
-              <a:t> Blog, Apr. 09, 2021. </a:t>
+              <a:t>Eswarsai</a:t>
+            </a:r>
+            <a:r>
+              <a:rPr lang="en-US" dirty="0"/>
+              <a:t>, “Exploring different types of LSTMs,” Medium, </a:t>
             </a:r>
             <a:r>
               <a:rPr lang="en-US" dirty="0">
                 <a:hlinkClick r:id="rId4"/>
               </a:rPr>
-              <a:t>https://blog.paperspace.com/implement-seq2seq-for-text-summarization-keras/</a:t>
-            </a:r>
-            <a:r>
-              <a:rPr lang="en-US" dirty="0"/>
-              <a:t>. (Accessed Sept 16, </a:t>
-            </a:r>
-            <a:r>
-              <a:rPr lang="en-US"/>
-              <a:t>2024).</a:t>
-            </a:r>
-            <a:endParaRPr lang="en-US" dirty="0"/>
+              <a:t>https://medium.com/analytics-vidhya/exploring-different-types-of-lstms-6109bcb037c4</a:t>
+            </a:r>
+            <a:r>
+              <a:rPr lang="en-US" dirty="0"/>
+              <a:t> (Accessed Sep. 16, 2024).</a:t>
+            </a:r>
           </a:p>
         </p:txBody>
       </p:sp>
     </p:spTree>
     <p:extLst>
       <p:ext uri="{BB962C8B-B14F-4D97-AF65-F5344CB8AC3E}">
-        <p14:creationId xmlns:p14="http://schemas.microsoft.com/office/powerpoint/2010/main" val="3251979457"/>
+        <p14:creationId xmlns:p14="http://schemas.microsoft.com/office/powerpoint/2010/main" val="3402107292"/>
       </p:ext>
     </p:extLst>
   </p:cSld>
@@ -7831,6 +9187,325 @@
     <p:extLst>
       <p:ext uri="{BB962C8B-B14F-4D97-AF65-F5344CB8AC3E}">
         <p14:creationId xmlns:p14="http://schemas.microsoft.com/office/powerpoint/2010/main" val="4241087040"/>
+      </p:ext>
+    </p:extLst>
+  </p:cSld>
+  <p:clrMapOvr>
+    <a:masterClrMapping/>
+  </p:clrMapOvr>
+</p:sld>
+</file>
+
+<file path=ppt/slides/slide30.xml><?xml version="1.0" encoding="utf-8"?>
+<p:sld xmlns:a="http://schemas.openxmlformats.org/drawingml/2006/main" xmlns:r="http://schemas.openxmlformats.org/officeDocument/2006/relationships" xmlns:p="http://schemas.openxmlformats.org/presentationml/2006/main">
+  <p:cSld>
+    <p:spTree>
+      <p:nvGrpSpPr>
+        <p:cNvPr id="1" name=""/>
+        <p:cNvGrpSpPr/>
+        <p:nvPr/>
+      </p:nvGrpSpPr>
+      <p:grpSpPr>
+        <a:xfrm>
+          <a:off x="0" y="0"/>
+          <a:ext cx="0" cy="0"/>
+          <a:chOff x="0" y="0"/>
+          <a:chExt cx="0" cy="0"/>
+        </a:xfrm>
+      </p:grpSpPr>
+      <p:sp>
+        <p:nvSpPr>
+          <p:cNvPr id="2" name="Title 1">
+            <a:extLst>
+              <a:ext uri="{FF2B5EF4-FFF2-40B4-BE49-F238E27FC236}">
+                <a16:creationId xmlns:a16="http://schemas.microsoft.com/office/drawing/2014/main" id="{E0D5A2A5-5BB1-BEC8-FDC0-E4FE269B9725}"/>
+              </a:ext>
+            </a:extLst>
+          </p:cNvPr>
+          <p:cNvSpPr>
+            <a:spLocks noGrp="1"/>
+          </p:cNvSpPr>
+          <p:nvPr>
+            <p:ph type="title"/>
+          </p:nvPr>
+        </p:nvSpPr>
+        <p:spPr/>
+        <p:txBody>
+          <a:bodyPr/>
+          <a:lstStyle/>
+          <a:p>
+            <a:r>
+              <a:rPr lang="en-US" dirty="0"/>
+              <a:t>References</a:t>
+            </a:r>
+          </a:p>
+        </p:txBody>
+      </p:sp>
+      <p:sp>
+        <p:nvSpPr>
+          <p:cNvPr id="3" name="Content Placeholder 2">
+            <a:extLst>
+              <a:ext uri="{FF2B5EF4-FFF2-40B4-BE49-F238E27FC236}">
+                <a16:creationId xmlns:a16="http://schemas.microsoft.com/office/drawing/2014/main" id="{9CE48323-D760-E16C-CA89-B7568448CA4A}"/>
+              </a:ext>
+            </a:extLst>
+          </p:cNvPr>
+          <p:cNvSpPr>
+            <a:spLocks noGrp="1"/>
+          </p:cNvSpPr>
+          <p:nvPr>
+            <p:ph idx="1"/>
+          </p:nvPr>
+        </p:nvSpPr>
+        <p:spPr/>
+        <p:txBody>
+          <a:bodyPr>
+            <a:normAutofit fontScale="92500" lnSpcReduction="10000"/>
+          </a:bodyPr>
+          <a:lstStyle/>
+          <a:p>
+            <a:r>
+              <a:rPr lang="en-US" dirty="0"/>
+              <a:t>[4] </a:t>
+            </a:r>
+            <a:r>
+              <a:rPr lang="en-US" dirty="0" err="1"/>
+              <a:t>Dobilas</a:t>
+            </a:r>
+            <a:r>
+              <a:rPr lang="en-US" dirty="0"/>
+              <a:t>, Saul. “LSTM Recurrent Neural Networks — How to Teach a Network to Remember the Past.” Medium, 5 Mar. 2022, towardsdatascience.com/lstm-recurrent-neural-networks-how-to-teach-a-network-to-remember-the-past-55e54c2ff22e. (Accessed Sept 16, 2024).</a:t>
+            </a:r>
+          </a:p>
+          <a:p>
+            <a:r>
+              <a:rPr lang="en-US" dirty="0"/>
+              <a:t>[5] K. Moses, “Encoder-Decoder Seq2Seq models, clearly explained!!,” Medium, Jul. 30, 2024. [Online]. Available: </a:t>
+            </a:r>
+            <a:r>
+              <a:rPr lang="en-US" dirty="0">
+                <a:hlinkClick r:id="rId2"/>
+              </a:rPr>
+              <a:t>https://medium.com/analytics-vidhya/encoder-decoder-seq2seq-models-clearly-explained-c34186fbf49b</a:t>
+            </a:r>
+            <a:r>
+              <a:rPr lang="en-US" dirty="0"/>
+              <a:t>. (Accessed Sept 16, 2024).</a:t>
+            </a:r>
+          </a:p>
+          <a:p>
+            <a:r>
+              <a:rPr lang="en-US" dirty="0"/>
+              <a:t>[6] I. </a:t>
+            </a:r>
+            <a:r>
+              <a:rPr lang="en-US" dirty="0" err="1"/>
+              <a:t>Sutskever</a:t>
+            </a:r>
+            <a:r>
+              <a:rPr lang="en-US" dirty="0"/>
+              <a:t>, O. </a:t>
+            </a:r>
+            <a:r>
+              <a:rPr lang="en-US" dirty="0" err="1"/>
+              <a:t>Vinyals</a:t>
+            </a:r>
+            <a:r>
+              <a:rPr lang="en-US" dirty="0"/>
+              <a:t>, and Q. Le V., “Sequence to Sequence Learning with Neural Networks,” arXiv.org, Sep. 10, 2014. </a:t>
+            </a:r>
+            <a:r>
+              <a:rPr lang="en-US" dirty="0">
+                <a:hlinkClick r:id="rId3"/>
+              </a:rPr>
+              <a:t>https://arxiv.org/abs/1409.3215</a:t>
+            </a:r>
+            <a:r>
+              <a:rPr lang="en-US" dirty="0"/>
+              <a:t>. (Accessed Sept 16, 2024).</a:t>
+            </a:r>
+          </a:p>
+        </p:txBody>
+      </p:sp>
+    </p:spTree>
+    <p:extLst>
+      <p:ext uri="{BB962C8B-B14F-4D97-AF65-F5344CB8AC3E}">
+        <p14:creationId xmlns:p14="http://schemas.microsoft.com/office/powerpoint/2010/main" val="1052201529"/>
+      </p:ext>
+    </p:extLst>
+  </p:cSld>
+  <p:clrMapOvr>
+    <a:masterClrMapping/>
+  </p:clrMapOvr>
+</p:sld>
+</file>
+
+<file path=ppt/slides/slide31.xml><?xml version="1.0" encoding="utf-8"?>
+<p:sld xmlns:a="http://schemas.openxmlformats.org/drawingml/2006/main" xmlns:r="http://schemas.openxmlformats.org/officeDocument/2006/relationships" xmlns:p="http://schemas.openxmlformats.org/presentationml/2006/main">
+  <p:cSld>
+    <p:spTree>
+      <p:nvGrpSpPr>
+        <p:cNvPr id="1" name=""/>
+        <p:cNvGrpSpPr/>
+        <p:nvPr/>
+      </p:nvGrpSpPr>
+      <p:grpSpPr>
+        <a:xfrm>
+          <a:off x="0" y="0"/>
+          <a:ext cx="0" cy="0"/>
+          <a:chOff x="0" y="0"/>
+          <a:chExt cx="0" cy="0"/>
+        </a:xfrm>
+      </p:grpSpPr>
+      <p:sp>
+        <p:nvSpPr>
+          <p:cNvPr id="2" name="Title 1">
+            <a:extLst>
+              <a:ext uri="{FF2B5EF4-FFF2-40B4-BE49-F238E27FC236}">
+                <a16:creationId xmlns:a16="http://schemas.microsoft.com/office/drawing/2014/main" id="{E0D5A2A5-5BB1-BEC8-FDC0-E4FE269B9725}"/>
+              </a:ext>
+            </a:extLst>
+          </p:cNvPr>
+          <p:cNvSpPr>
+            <a:spLocks noGrp="1"/>
+          </p:cNvSpPr>
+          <p:nvPr>
+            <p:ph type="title"/>
+          </p:nvPr>
+        </p:nvSpPr>
+        <p:spPr/>
+        <p:txBody>
+          <a:bodyPr/>
+          <a:lstStyle/>
+          <a:p>
+            <a:r>
+              <a:rPr lang="en-US" dirty="0"/>
+              <a:t>References</a:t>
+            </a:r>
+          </a:p>
+        </p:txBody>
+      </p:sp>
+      <p:sp>
+        <p:nvSpPr>
+          <p:cNvPr id="3" name="Content Placeholder 2">
+            <a:extLst>
+              <a:ext uri="{FF2B5EF4-FFF2-40B4-BE49-F238E27FC236}">
+                <a16:creationId xmlns:a16="http://schemas.microsoft.com/office/drawing/2014/main" id="{9CE48323-D760-E16C-CA89-B7568448CA4A}"/>
+              </a:ext>
+            </a:extLst>
+          </p:cNvPr>
+          <p:cNvSpPr>
+            <a:spLocks noGrp="1"/>
+          </p:cNvSpPr>
+          <p:nvPr>
+            <p:ph idx="1"/>
+          </p:nvPr>
+        </p:nvSpPr>
+        <p:spPr/>
+        <p:txBody>
+          <a:bodyPr>
+            <a:normAutofit fontScale="92500" lnSpcReduction="20000"/>
+          </a:bodyPr>
+          <a:lstStyle/>
+          <a:p>
+            <a:r>
+              <a:rPr lang="en-US" dirty="0"/>
+              <a:t>[7] R. </a:t>
+            </a:r>
+            <a:r>
+              <a:rPr lang="en-US" dirty="0" err="1"/>
+              <a:t>Kompella</a:t>
+            </a:r>
+            <a:r>
+              <a:rPr lang="en-US" dirty="0"/>
+              <a:t>, “Neural Machine Translation — Using seq2seq with </a:t>
+            </a:r>
+            <a:r>
+              <a:rPr lang="en-US" dirty="0" err="1"/>
+              <a:t>Keras</a:t>
+            </a:r>
+            <a:r>
+              <a:rPr lang="en-US" dirty="0"/>
+              <a:t>,” Medium, Jul. 19, 2022. [Online]. Available: </a:t>
+            </a:r>
+            <a:r>
+              <a:rPr lang="en-US" dirty="0">
+                <a:hlinkClick r:id="rId2"/>
+              </a:rPr>
+              <a:t>https://towardsdatascience.com/neural-machine-translation-using-seq2seq-with-keras-c23540453c74</a:t>
+            </a:r>
+            <a:r>
+              <a:rPr lang="en-US" dirty="0"/>
+              <a:t>. (Accessed Sept 16, 2024).</a:t>
+            </a:r>
+          </a:p>
+          <a:p>
+            <a:r>
+              <a:rPr lang="en-US" dirty="0"/>
+              <a:t>[8] B. F. Chollet, “A ten-minute introduction to sequence-to-sequence learning in </a:t>
+            </a:r>
+            <a:r>
+              <a:rPr lang="en-US" dirty="0" err="1"/>
+              <a:t>Keras</a:t>
+            </a:r>
+            <a:r>
+              <a:rPr lang="en-US" dirty="0"/>
+              <a:t>.” </a:t>
+            </a:r>
+            <a:r>
+              <a:rPr lang="en-US" dirty="0">
+                <a:hlinkClick r:id="rId3"/>
+              </a:rPr>
+              <a:t>https://blog.keras.io/a-ten-minute-introduction-to-sequence-to-sequence-learning-in-keras.html#:~:text=Sequence%2Dto%2Dsequence%20learning%20(,etait%20assis%20sur%20le%20tapis%22</a:t>
+            </a:r>
+            <a:r>
+              <a:rPr lang="en-US" dirty="0"/>
+              <a:t>. (Accessed Sept 16, 2024).</a:t>
+            </a:r>
+          </a:p>
+          <a:p>
+            <a:r>
+              <a:rPr lang="en-US" dirty="0"/>
+              <a:t>[9] S. </a:t>
+            </a:r>
+            <a:r>
+              <a:rPr lang="en-US" dirty="0" err="1"/>
+              <a:t>Alla</a:t>
+            </a:r>
+            <a:r>
+              <a:rPr lang="en-US" dirty="0"/>
+              <a:t>, “Implementing Seq2Seq models for text summarization with KERAS,” </a:t>
+            </a:r>
+            <a:r>
+              <a:rPr lang="en-US" dirty="0" err="1"/>
+              <a:t>Paperspace</a:t>
+            </a:r>
+            <a:r>
+              <a:rPr lang="en-US" dirty="0"/>
+              <a:t> Blog, Apr. 09, 2021. </a:t>
+            </a:r>
+            <a:r>
+              <a:rPr lang="en-US" dirty="0">
+                <a:hlinkClick r:id="rId4"/>
+              </a:rPr>
+              <a:t>https://blog.paperspace.com/implement-seq2seq-for-text-summarization-keras/</a:t>
+            </a:r>
+            <a:r>
+              <a:rPr lang="en-US" dirty="0"/>
+              <a:t>. (Accessed Sept 16, </a:t>
+            </a:r>
+            <a:r>
+              <a:rPr lang="en-US"/>
+              <a:t>2024).</a:t>
+            </a:r>
+            <a:endParaRPr lang="en-US" dirty="0"/>
+          </a:p>
+        </p:txBody>
+      </p:sp>
+    </p:spTree>
+    <p:extLst>
+      <p:ext uri="{BB962C8B-B14F-4D97-AF65-F5344CB8AC3E}">
+        <p14:creationId xmlns:p14="http://schemas.microsoft.com/office/powerpoint/2010/main" val="3251979457"/>
       </p:ext>
     </p:extLst>
   </p:cSld>
@@ -8054,15 +9729,7 @@
             <a:pPr lvl="1"/>
             <a:r>
               <a:rPr lang="en-US" dirty="0"/>
-              <a:t>Vanishing / Exploding Gradient Problem potentially caused by </a:t>
-            </a:r>
-            <a:r>
-              <a:rPr lang="en-US" dirty="0" err="1"/>
-              <a:t>ReLU</a:t>
-            </a:r>
-            <a:r>
-              <a:rPr lang="en-US" dirty="0"/>
-              <a:t> function</a:t>
+              <a:t>Vanishing / Exploding Gradient Problem potentially caused by “unrolling”</a:t>
             </a:r>
           </a:p>
           <a:p>
@@ -8672,7 +10339,7 @@
           <a:p>
             <a:r>
               <a:rPr lang="en-US" b="1" dirty="0"/>
-              <a:t>LSTM Encoder</a:t>
+              <a:t>Encoder</a:t>
             </a:r>
             <a:endParaRPr lang="en-US" dirty="0"/>
           </a:p>
@@ -8704,6 +10371,13 @@
             <a:pPr marL="285750" indent="-285750"/>
             <a:r>
               <a:rPr lang="en-US" dirty="0"/>
+              <a:t>Encoder works the same in both the training and testing phase</a:t>
+            </a:r>
+          </a:p>
+          <a:p>
+            <a:pPr marL="285750" indent="-285750"/>
+            <a:r>
+              <a:rPr lang="en-US" dirty="0"/>
               <a:t>Processes each token in the input-sequence into a vector of fixed length</a:t>
             </a:r>
           </a:p>
@@ -8726,6 +10400,12 @@
             <a:r>
               <a:rPr lang="en-US" dirty="0"/>
               <a:t>Helps decoder make accurate predictions</a:t>
+            </a:r>
+          </a:p>
+          <a:p>
+            <a:r>
+              <a:rPr lang="en-US" dirty="0"/>
+              <a:t>Parameters are updated using backpropagation over time.</a:t>
             </a:r>
           </a:p>
         </p:txBody>
